--- a/ReadMeRes/ImageFactory.pptx
+++ b/ReadMeRes/ImageFactory.pptx
@@ -104,6 +104,11 @@
       </a:defRPr>
     </a:lvl9pPr>
   </p:defaultTextStyle>
+  <p:extLst>
+    <p:ext uri="{EFAFB233-063F-42B5-8137-9DF3F51BA10A}">
+      <p15:sldGuideLst xmlns:p15="http://schemas.microsoft.com/office/powerpoint/2012/main"/>
+    </p:ext>
+  </p:extLst>
 </p:presentation>
 </file>
 
@@ -254,7 +259,7 @@
           <a:p>
             <a:fld id="{1E253523-4079-4E12-A6F2-4B3130B342C7}" type="datetimeFigureOut">
               <a:rPr lang="ko-KR" altLang="en-US" smtClean="0"/>
-              <a:t>2020-08-25</a:t>
+              <a:t>2020-09-10</a:t>
             </a:fld>
             <a:endParaRPr lang="ko-KR" altLang="en-US"/>
           </a:p>
@@ -452,7 +457,7 @@
           <a:p>
             <a:fld id="{1E253523-4079-4E12-A6F2-4B3130B342C7}" type="datetimeFigureOut">
               <a:rPr lang="ko-KR" altLang="en-US" smtClean="0"/>
-              <a:t>2020-08-25</a:t>
+              <a:t>2020-09-10</a:t>
             </a:fld>
             <a:endParaRPr lang="ko-KR" altLang="en-US"/>
           </a:p>
@@ -660,7 +665,7 @@
           <a:p>
             <a:fld id="{1E253523-4079-4E12-A6F2-4B3130B342C7}" type="datetimeFigureOut">
               <a:rPr lang="ko-KR" altLang="en-US" smtClean="0"/>
-              <a:t>2020-08-25</a:t>
+              <a:t>2020-09-10</a:t>
             </a:fld>
             <a:endParaRPr lang="ko-KR" altLang="en-US"/>
           </a:p>
@@ -858,7 +863,7 @@
           <a:p>
             <a:fld id="{1E253523-4079-4E12-A6F2-4B3130B342C7}" type="datetimeFigureOut">
               <a:rPr lang="ko-KR" altLang="en-US" smtClean="0"/>
-              <a:t>2020-08-25</a:t>
+              <a:t>2020-09-10</a:t>
             </a:fld>
             <a:endParaRPr lang="ko-KR" altLang="en-US"/>
           </a:p>
@@ -1133,7 +1138,7 @@
           <a:p>
             <a:fld id="{1E253523-4079-4E12-A6F2-4B3130B342C7}" type="datetimeFigureOut">
               <a:rPr lang="ko-KR" altLang="en-US" smtClean="0"/>
-              <a:t>2020-08-25</a:t>
+              <a:t>2020-09-10</a:t>
             </a:fld>
             <a:endParaRPr lang="ko-KR" altLang="en-US"/>
           </a:p>
@@ -1398,7 +1403,7 @@
           <a:p>
             <a:fld id="{1E253523-4079-4E12-A6F2-4B3130B342C7}" type="datetimeFigureOut">
               <a:rPr lang="ko-KR" altLang="en-US" smtClean="0"/>
-              <a:t>2020-08-25</a:t>
+              <a:t>2020-09-10</a:t>
             </a:fld>
             <a:endParaRPr lang="ko-KR" altLang="en-US"/>
           </a:p>
@@ -1810,7 +1815,7 @@
           <a:p>
             <a:fld id="{1E253523-4079-4E12-A6F2-4B3130B342C7}" type="datetimeFigureOut">
               <a:rPr lang="ko-KR" altLang="en-US" smtClean="0"/>
-              <a:t>2020-08-25</a:t>
+              <a:t>2020-09-10</a:t>
             </a:fld>
             <a:endParaRPr lang="ko-KR" altLang="en-US"/>
           </a:p>
@@ -1951,7 +1956,7 @@
           <a:p>
             <a:fld id="{1E253523-4079-4E12-A6F2-4B3130B342C7}" type="datetimeFigureOut">
               <a:rPr lang="ko-KR" altLang="en-US" smtClean="0"/>
-              <a:t>2020-08-25</a:t>
+              <a:t>2020-09-10</a:t>
             </a:fld>
             <a:endParaRPr lang="ko-KR" altLang="en-US"/>
           </a:p>
@@ -2064,7 +2069,7 @@
           <a:p>
             <a:fld id="{1E253523-4079-4E12-A6F2-4B3130B342C7}" type="datetimeFigureOut">
               <a:rPr lang="ko-KR" altLang="en-US" smtClean="0"/>
-              <a:t>2020-08-25</a:t>
+              <a:t>2020-09-10</a:t>
             </a:fld>
             <a:endParaRPr lang="ko-KR" altLang="en-US"/>
           </a:p>
@@ -2375,7 +2380,7 @@
           <a:p>
             <a:fld id="{1E253523-4079-4E12-A6F2-4B3130B342C7}" type="datetimeFigureOut">
               <a:rPr lang="ko-KR" altLang="en-US" smtClean="0"/>
-              <a:t>2020-08-25</a:t>
+              <a:t>2020-09-10</a:t>
             </a:fld>
             <a:endParaRPr lang="ko-KR" altLang="en-US"/>
           </a:p>
@@ -2663,7 +2668,7 @@
           <a:p>
             <a:fld id="{1E253523-4079-4E12-A6F2-4B3130B342C7}" type="datetimeFigureOut">
               <a:rPr lang="ko-KR" altLang="en-US" smtClean="0"/>
-              <a:t>2020-08-25</a:t>
+              <a:t>2020-09-10</a:t>
             </a:fld>
             <a:endParaRPr lang="ko-KR" altLang="en-US"/>
           </a:p>
@@ -2904,7 +2909,7 @@
           <a:p>
             <a:fld id="{1E253523-4079-4E12-A6F2-4B3130B342C7}" type="datetimeFigureOut">
               <a:rPr lang="ko-KR" altLang="en-US" smtClean="0"/>
-              <a:t>2020-08-25</a:t>
+              <a:t>2020-09-10</a:t>
             </a:fld>
             <a:endParaRPr lang="ko-KR" altLang="en-US"/>
           </a:p>
@@ -3321,6 +3326,3574 @@
           <a:chExt cx="0" cy="0"/>
         </a:xfrm>
       </p:grpSpPr>
+      <p:sp>
+        <p:nvSpPr>
+          <p:cNvPr id="2" name="직사각형 1">
+            <a:extLst>
+              <a:ext uri="{FF2B5EF4-FFF2-40B4-BE49-F238E27FC236}">
+                <a16:creationId xmlns:a16="http://schemas.microsoft.com/office/drawing/2014/main" id="{5344DE13-683C-41D7-9421-264AE1ACAA4B}"/>
+              </a:ext>
+            </a:extLst>
+          </p:cNvPr>
+          <p:cNvSpPr/>
+          <p:nvPr/>
+        </p:nvSpPr>
+        <p:spPr>
+          <a:xfrm>
+            <a:off x="-1669142" y="-33731200"/>
+            <a:ext cx="13861142" cy="7271657"/>
+          </a:xfrm>
+          <a:prstGeom prst="rect">
+            <a:avLst/>
+          </a:prstGeom>
+        </p:spPr>
+        <p:style>
+          <a:lnRef idx="2">
+            <a:schemeClr val="accent1">
+              <a:shade val="50000"/>
+            </a:schemeClr>
+          </a:lnRef>
+          <a:fillRef idx="1">
+            <a:schemeClr val="accent1"/>
+          </a:fillRef>
+          <a:effectRef idx="0">
+            <a:schemeClr val="accent1"/>
+          </a:effectRef>
+          <a:fontRef idx="minor">
+            <a:schemeClr val="lt1"/>
+          </a:fontRef>
+        </p:style>
+        <p:txBody>
+          <a:bodyPr rtlCol="0" anchor="ctr"/>
+          <a:lstStyle/>
+          <a:p>
+            <a:pPr algn="ctr"/>
+            <a:endParaRPr lang="ko-KR" altLang="en-US">
+              <a:latin typeface="Times New Roman" panose="02020603050405020304" pitchFamily="18" charset="0"/>
+              <a:cs typeface="Times New Roman" panose="02020603050405020304" pitchFamily="18" charset="0"/>
+            </a:endParaRPr>
+          </a:p>
+        </p:txBody>
+      </p:sp>
+      <p:sp>
+        <p:nvSpPr>
+          <p:cNvPr id="3" name="직사각형 2">
+            <a:extLst>
+              <a:ext uri="{FF2B5EF4-FFF2-40B4-BE49-F238E27FC236}">
+                <a16:creationId xmlns:a16="http://schemas.microsoft.com/office/drawing/2014/main" id="{E597C8A1-B88A-4B05-B981-2764A390F32C}"/>
+              </a:ext>
+            </a:extLst>
+          </p:cNvPr>
+          <p:cNvSpPr/>
+          <p:nvPr/>
+        </p:nvSpPr>
+        <p:spPr>
+          <a:xfrm>
+            <a:off x="65103829" y="-6226629"/>
+            <a:ext cx="13861142" cy="7271657"/>
+          </a:xfrm>
+          <a:prstGeom prst="rect">
+            <a:avLst/>
+          </a:prstGeom>
+        </p:spPr>
+        <p:style>
+          <a:lnRef idx="2">
+            <a:schemeClr val="accent1">
+              <a:shade val="50000"/>
+            </a:schemeClr>
+          </a:lnRef>
+          <a:fillRef idx="1">
+            <a:schemeClr val="accent1"/>
+          </a:fillRef>
+          <a:effectRef idx="0">
+            <a:schemeClr val="accent1"/>
+          </a:effectRef>
+          <a:fontRef idx="minor">
+            <a:schemeClr val="lt1"/>
+          </a:fontRef>
+        </p:style>
+        <p:txBody>
+          <a:bodyPr rtlCol="0" anchor="ctr"/>
+          <a:lstStyle/>
+          <a:p>
+            <a:pPr algn="ctr"/>
+            <a:endParaRPr lang="ko-KR" altLang="en-US">
+              <a:latin typeface="Times New Roman" panose="02020603050405020304" pitchFamily="18" charset="0"/>
+              <a:cs typeface="Times New Roman" panose="02020603050405020304" pitchFamily="18" charset="0"/>
+            </a:endParaRPr>
+          </a:p>
+        </p:txBody>
+      </p:sp>
+      <p:sp>
+        <p:nvSpPr>
+          <p:cNvPr id="5" name="직사각형 4">
+            <a:extLst>
+              <a:ext uri="{FF2B5EF4-FFF2-40B4-BE49-F238E27FC236}">
+                <a16:creationId xmlns:a16="http://schemas.microsoft.com/office/drawing/2014/main" id="{8497BEB2-6075-48A1-A8CE-41DD5F033D2D}"/>
+              </a:ext>
+            </a:extLst>
+          </p:cNvPr>
+          <p:cNvSpPr/>
+          <p:nvPr/>
+        </p:nvSpPr>
+        <p:spPr>
+          <a:xfrm>
+            <a:off x="0" y="35661600"/>
+            <a:ext cx="13861142" cy="7271657"/>
+          </a:xfrm>
+          <a:prstGeom prst="rect">
+            <a:avLst/>
+          </a:prstGeom>
+        </p:spPr>
+        <p:style>
+          <a:lnRef idx="2">
+            <a:schemeClr val="accent1">
+              <a:shade val="50000"/>
+            </a:schemeClr>
+          </a:lnRef>
+          <a:fillRef idx="1">
+            <a:schemeClr val="accent1"/>
+          </a:fillRef>
+          <a:effectRef idx="0">
+            <a:schemeClr val="accent1"/>
+          </a:effectRef>
+          <a:fontRef idx="minor">
+            <a:schemeClr val="lt1"/>
+          </a:fontRef>
+        </p:style>
+        <p:txBody>
+          <a:bodyPr rtlCol="0" anchor="ctr"/>
+          <a:lstStyle/>
+          <a:p>
+            <a:pPr algn="ctr"/>
+            <a:endParaRPr lang="ko-KR" altLang="en-US">
+              <a:latin typeface="Times New Roman" panose="02020603050405020304" pitchFamily="18" charset="0"/>
+              <a:cs typeface="Times New Roman" panose="02020603050405020304" pitchFamily="18" charset="0"/>
+            </a:endParaRPr>
+          </a:p>
+        </p:txBody>
+      </p:sp>
+      <p:sp>
+        <p:nvSpPr>
+          <p:cNvPr id="7" name="직사각형 6">
+            <a:extLst>
+              <a:ext uri="{FF2B5EF4-FFF2-40B4-BE49-F238E27FC236}">
+                <a16:creationId xmlns:a16="http://schemas.microsoft.com/office/drawing/2014/main" id="{0B01412C-ACE8-4B36-89BE-A0D38D564E23}"/>
+              </a:ext>
+            </a:extLst>
+          </p:cNvPr>
+          <p:cNvSpPr/>
+          <p:nvPr/>
+        </p:nvSpPr>
+        <p:spPr>
+          <a:xfrm>
+            <a:off x="-63318571" y="-6226629"/>
+            <a:ext cx="13861142" cy="7271657"/>
+          </a:xfrm>
+          <a:prstGeom prst="rect">
+            <a:avLst/>
+          </a:prstGeom>
+        </p:spPr>
+        <p:style>
+          <a:lnRef idx="2">
+            <a:schemeClr val="accent1">
+              <a:shade val="50000"/>
+            </a:schemeClr>
+          </a:lnRef>
+          <a:fillRef idx="1">
+            <a:schemeClr val="accent1"/>
+          </a:fillRef>
+          <a:effectRef idx="0">
+            <a:schemeClr val="accent1"/>
+          </a:effectRef>
+          <a:fontRef idx="minor">
+            <a:schemeClr val="lt1"/>
+          </a:fontRef>
+        </p:style>
+        <p:txBody>
+          <a:bodyPr rtlCol="0" anchor="ctr"/>
+          <a:lstStyle/>
+          <a:p>
+            <a:pPr algn="ctr"/>
+            <a:endParaRPr lang="ko-KR" altLang="en-US">
+              <a:latin typeface="Times New Roman" panose="02020603050405020304" pitchFamily="18" charset="0"/>
+              <a:cs typeface="Times New Roman" panose="02020603050405020304" pitchFamily="18" charset="0"/>
+            </a:endParaRPr>
+          </a:p>
+        </p:txBody>
+      </p:sp>
+      <p:sp>
+        <p:nvSpPr>
+          <p:cNvPr id="48" name="사각형: 둥근 모서리 47">
+            <a:extLst>
+              <a:ext uri="{FF2B5EF4-FFF2-40B4-BE49-F238E27FC236}">
+                <a16:creationId xmlns:a16="http://schemas.microsoft.com/office/drawing/2014/main" id="{9F984B17-2798-47D2-9BC0-BB4CC29F0435}"/>
+              </a:ext>
+            </a:extLst>
+          </p:cNvPr>
+          <p:cNvSpPr/>
+          <p:nvPr/>
+        </p:nvSpPr>
+        <p:spPr>
+          <a:xfrm>
+            <a:off x="9680964" y="205245"/>
+            <a:ext cx="2200656" cy="4389718"/>
+          </a:xfrm>
+          <a:prstGeom prst="roundRect">
+            <a:avLst>
+              <a:gd name="adj" fmla="val 4245"/>
+            </a:avLst>
+          </a:prstGeom>
+          <a:noFill/>
+        </p:spPr>
+        <p:style>
+          <a:lnRef idx="2">
+            <a:schemeClr val="accent1">
+              <a:shade val="50000"/>
+            </a:schemeClr>
+          </a:lnRef>
+          <a:fillRef idx="1">
+            <a:schemeClr val="accent1"/>
+          </a:fillRef>
+          <a:effectRef idx="0">
+            <a:schemeClr val="accent1"/>
+          </a:effectRef>
+          <a:fontRef idx="minor">
+            <a:schemeClr val="lt1"/>
+          </a:fontRef>
+        </p:style>
+        <p:txBody>
+          <a:bodyPr rtlCol="0" anchor="ctr"/>
+          <a:lstStyle/>
+          <a:p>
+            <a:pPr algn="ctr"/>
+            <a:endParaRPr lang="ko-KR" altLang="en-US">
+              <a:latin typeface="Times New Roman" panose="02020603050405020304" pitchFamily="18" charset="0"/>
+              <a:cs typeface="Times New Roman" panose="02020603050405020304" pitchFamily="18" charset="0"/>
+            </a:endParaRPr>
+          </a:p>
+        </p:txBody>
+      </p:sp>
+      <p:sp>
+        <p:nvSpPr>
+          <p:cNvPr id="9" name="TextBox 8">
+            <a:extLst>
+              <a:ext uri="{FF2B5EF4-FFF2-40B4-BE49-F238E27FC236}">
+                <a16:creationId xmlns:a16="http://schemas.microsoft.com/office/drawing/2014/main" id="{F51B2E5F-A249-4955-9591-79E1EF961F42}"/>
+              </a:ext>
+            </a:extLst>
+          </p:cNvPr>
+          <p:cNvSpPr txBox="1"/>
+          <p:nvPr/>
+        </p:nvSpPr>
+        <p:spPr>
+          <a:xfrm flipH="1">
+            <a:off x="9882692" y="304025"/>
+            <a:ext cx="399600" cy="400110"/>
+          </a:xfrm>
+          <a:prstGeom prst="rect">
+            <a:avLst/>
+          </a:prstGeom>
+          <a:noFill/>
+        </p:spPr>
+        <p:txBody>
+          <a:bodyPr wrap="square" rtlCol="0">
+            <a:spAutoFit/>
+          </a:bodyPr>
+          <a:lstStyle/>
+          <a:p>
+            <a:pPr algn="ctr"/>
+            <a:r>
+              <a:rPr lang="en-US" altLang="ko-KR" sz="2000" b="1" dirty="0">
+                <a:latin typeface="Times New Roman" panose="02020603050405020304" pitchFamily="18" charset="0"/>
+                <a:cs typeface="Times New Roman" panose="02020603050405020304" pitchFamily="18" charset="0"/>
+              </a:rPr>
+              <a:t>A</a:t>
+            </a:r>
+            <a:endParaRPr lang="ko-KR" altLang="en-US" sz="2000" b="1" dirty="0">
+              <a:latin typeface="Times New Roman" panose="02020603050405020304" pitchFamily="18" charset="0"/>
+              <a:cs typeface="Times New Roman" panose="02020603050405020304" pitchFamily="18" charset="0"/>
+            </a:endParaRPr>
+          </a:p>
+        </p:txBody>
+      </p:sp>
+      <p:sp>
+        <p:nvSpPr>
+          <p:cNvPr id="8" name="TextBox 7">
+            <a:extLst>
+              <a:ext uri="{FF2B5EF4-FFF2-40B4-BE49-F238E27FC236}">
+                <a16:creationId xmlns:a16="http://schemas.microsoft.com/office/drawing/2014/main" id="{B96C5C2D-8E6A-4722-86E6-265E47DEB2D6}"/>
+              </a:ext>
+            </a:extLst>
+          </p:cNvPr>
+          <p:cNvSpPr txBox="1"/>
+          <p:nvPr/>
+        </p:nvSpPr>
+        <p:spPr>
+          <a:xfrm flipH="1">
+            <a:off x="11280293" y="304025"/>
+            <a:ext cx="399600" cy="400110"/>
+          </a:xfrm>
+          <a:prstGeom prst="rect">
+            <a:avLst/>
+          </a:prstGeom>
+          <a:noFill/>
+        </p:spPr>
+        <p:txBody>
+          <a:bodyPr wrap="square" rtlCol="0">
+            <a:spAutoFit/>
+          </a:bodyPr>
+          <a:lstStyle/>
+          <a:p>
+            <a:pPr algn="ctr"/>
+            <a:r>
+              <a:rPr lang="en-US" altLang="ko-KR" sz="2000" b="1" dirty="0">
+                <a:latin typeface="Times New Roman" panose="02020603050405020304" pitchFamily="18" charset="0"/>
+                <a:cs typeface="Times New Roman" panose="02020603050405020304" pitchFamily="18" charset="0"/>
+              </a:rPr>
+              <a:t>B</a:t>
+            </a:r>
+            <a:endParaRPr lang="ko-KR" altLang="en-US" sz="2000" b="1" dirty="0">
+              <a:latin typeface="Times New Roman" panose="02020603050405020304" pitchFamily="18" charset="0"/>
+              <a:cs typeface="Times New Roman" panose="02020603050405020304" pitchFamily="18" charset="0"/>
+            </a:endParaRPr>
+          </a:p>
+        </p:txBody>
+      </p:sp>
+      <p:cxnSp>
+        <p:nvCxnSpPr>
+          <p:cNvPr id="6" name="직선 화살표 연결선 5">
+            <a:extLst>
+              <a:ext uri="{FF2B5EF4-FFF2-40B4-BE49-F238E27FC236}">
+                <a16:creationId xmlns:a16="http://schemas.microsoft.com/office/drawing/2014/main" id="{14D9BB8F-F41A-4DE4-A60F-5F15ECAEF829}"/>
+              </a:ext>
+            </a:extLst>
+          </p:cNvPr>
+          <p:cNvCxnSpPr>
+            <a:stCxn id="9" idx="1"/>
+            <a:endCxn id="8" idx="3"/>
+          </p:cNvCxnSpPr>
+          <p:nvPr/>
+        </p:nvCxnSpPr>
+        <p:spPr>
+          <a:xfrm>
+            <a:off x="10282292" y="504080"/>
+            <a:ext cx="998001" cy="0"/>
+          </a:xfrm>
+          <a:prstGeom prst="straightConnector1">
+            <a:avLst/>
+          </a:prstGeom>
+          <a:ln w="28575">
+            <a:tailEnd type="triangle"/>
+          </a:ln>
+        </p:spPr>
+        <p:style>
+          <a:lnRef idx="3">
+            <a:schemeClr val="accent5"/>
+          </a:lnRef>
+          <a:fillRef idx="0">
+            <a:schemeClr val="accent5"/>
+          </a:fillRef>
+          <a:effectRef idx="2">
+            <a:schemeClr val="accent5"/>
+          </a:effectRef>
+          <a:fontRef idx="minor">
+            <a:schemeClr val="tx1"/>
+          </a:fontRef>
+        </p:style>
+      </p:cxnSp>
+      <p:sp>
+        <p:nvSpPr>
+          <p:cNvPr id="18" name="TextBox 17">
+            <a:extLst>
+              <a:ext uri="{FF2B5EF4-FFF2-40B4-BE49-F238E27FC236}">
+                <a16:creationId xmlns:a16="http://schemas.microsoft.com/office/drawing/2014/main" id="{90E3F5DD-85F3-4DCB-A9F0-9E09BDBD324C}"/>
+              </a:ext>
+            </a:extLst>
+          </p:cNvPr>
+          <p:cNvSpPr txBox="1"/>
+          <p:nvPr/>
+        </p:nvSpPr>
+        <p:spPr>
+          <a:xfrm flipH="1">
+            <a:off x="10247508" y="247595"/>
+            <a:ext cx="1067568" cy="246221"/>
+          </a:xfrm>
+          <a:prstGeom prst="rect">
+            <a:avLst/>
+          </a:prstGeom>
+          <a:noFill/>
+        </p:spPr>
+        <p:txBody>
+          <a:bodyPr wrap="square" rtlCol="0">
+            <a:spAutoFit/>
+          </a:bodyPr>
+          <a:lstStyle/>
+          <a:p>
+            <a:pPr algn="ctr"/>
+            <a:r>
+              <a:rPr lang="en-US" altLang="ko-KR" sz="1000" b="1" dirty="0">
+                <a:latin typeface="Times New Roman" panose="02020603050405020304" pitchFamily="18" charset="0"/>
+                <a:cs typeface="Times New Roman" panose="02020603050405020304" pitchFamily="18" charset="0"/>
+              </a:rPr>
+              <a:t>Implements</a:t>
+            </a:r>
+            <a:endParaRPr lang="ko-KR" altLang="en-US" sz="1000" b="1" dirty="0">
+              <a:latin typeface="Times New Roman" panose="02020603050405020304" pitchFamily="18" charset="0"/>
+              <a:cs typeface="Times New Roman" panose="02020603050405020304" pitchFamily="18" charset="0"/>
+            </a:endParaRPr>
+          </a:p>
+        </p:txBody>
+      </p:sp>
+      <p:sp>
+        <p:nvSpPr>
+          <p:cNvPr id="11" name="TextBox 10">
+            <a:extLst>
+              <a:ext uri="{FF2B5EF4-FFF2-40B4-BE49-F238E27FC236}">
+                <a16:creationId xmlns:a16="http://schemas.microsoft.com/office/drawing/2014/main" id="{8B948126-88BA-4C4E-AAC0-261BDC19487C}"/>
+              </a:ext>
+            </a:extLst>
+          </p:cNvPr>
+          <p:cNvSpPr txBox="1"/>
+          <p:nvPr/>
+        </p:nvSpPr>
+        <p:spPr>
+          <a:xfrm flipH="1">
+            <a:off x="9882692" y="821871"/>
+            <a:ext cx="399600" cy="400110"/>
+          </a:xfrm>
+          <a:prstGeom prst="rect">
+            <a:avLst/>
+          </a:prstGeom>
+          <a:noFill/>
+        </p:spPr>
+        <p:txBody>
+          <a:bodyPr wrap="square" rtlCol="0">
+            <a:spAutoFit/>
+          </a:bodyPr>
+          <a:lstStyle/>
+          <a:p>
+            <a:pPr algn="ctr"/>
+            <a:r>
+              <a:rPr lang="en-US" altLang="ko-KR" sz="2000" b="1" dirty="0">
+                <a:latin typeface="Times New Roman" panose="02020603050405020304" pitchFamily="18" charset="0"/>
+                <a:cs typeface="Times New Roman" panose="02020603050405020304" pitchFamily="18" charset="0"/>
+              </a:rPr>
+              <a:t>A</a:t>
+            </a:r>
+            <a:endParaRPr lang="ko-KR" altLang="en-US" sz="2000" b="1" dirty="0">
+              <a:latin typeface="Times New Roman" panose="02020603050405020304" pitchFamily="18" charset="0"/>
+              <a:cs typeface="Times New Roman" panose="02020603050405020304" pitchFamily="18" charset="0"/>
+            </a:endParaRPr>
+          </a:p>
+        </p:txBody>
+      </p:sp>
+      <p:sp>
+        <p:nvSpPr>
+          <p:cNvPr id="12" name="TextBox 11">
+            <a:extLst>
+              <a:ext uri="{FF2B5EF4-FFF2-40B4-BE49-F238E27FC236}">
+                <a16:creationId xmlns:a16="http://schemas.microsoft.com/office/drawing/2014/main" id="{26C5535E-8424-4A8E-8297-D675A41568BB}"/>
+              </a:ext>
+            </a:extLst>
+          </p:cNvPr>
+          <p:cNvSpPr txBox="1"/>
+          <p:nvPr/>
+        </p:nvSpPr>
+        <p:spPr>
+          <a:xfrm flipH="1">
+            <a:off x="11280293" y="821871"/>
+            <a:ext cx="399600" cy="400110"/>
+          </a:xfrm>
+          <a:prstGeom prst="rect">
+            <a:avLst/>
+          </a:prstGeom>
+          <a:noFill/>
+        </p:spPr>
+        <p:txBody>
+          <a:bodyPr wrap="square" rtlCol="0">
+            <a:spAutoFit/>
+          </a:bodyPr>
+          <a:lstStyle/>
+          <a:p>
+            <a:pPr algn="ctr"/>
+            <a:r>
+              <a:rPr lang="en-US" altLang="ko-KR" sz="2000" b="1" dirty="0">
+                <a:latin typeface="Times New Roman" panose="02020603050405020304" pitchFamily="18" charset="0"/>
+                <a:cs typeface="Times New Roman" panose="02020603050405020304" pitchFamily="18" charset="0"/>
+              </a:rPr>
+              <a:t>B</a:t>
+            </a:r>
+            <a:endParaRPr lang="ko-KR" altLang="en-US" sz="2000" b="1" dirty="0">
+              <a:latin typeface="Times New Roman" panose="02020603050405020304" pitchFamily="18" charset="0"/>
+              <a:cs typeface="Times New Roman" panose="02020603050405020304" pitchFamily="18" charset="0"/>
+            </a:endParaRPr>
+          </a:p>
+        </p:txBody>
+      </p:sp>
+      <p:cxnSp>
+        <p:nvCxnSpPr>
+          <p:cNvPr id="13" name="직선 화살표 연결선 12">
+            <a:extLst>
+              <a:ext uri="{FF2B5EF4-FFF2-40B4-BE49-F238E27FC236}">
+                <a16:creationId xmlns:a16="http://schemas.microsoft.com/office/drawing/2014/main" id="{6FDBAFE6-7D12-4B09-B44A-AE7D2F809B08}"/>
+              </a:ext>
+            </a:extLst>
+          </p:cNvPr>
+          <p:cNvCxnSpPr>
+            <a:stCxn id="11" idx="1"/>
+            <a:endCxn id="12" idx="3"/>
+          </p:cNvCxnSpPr>
+          <p:nvPr/>
+        </p:nvCxnSpPr>
+        <p:spPr>
+          <a:xfrm>
+            <a:off x="10282292" y="1021926"/>
+            <a:ext cx="998001" cy="0"/>
+          </a:xfrm>
+          <a:prstGeom prst="straightConnector1">
+            <a:avLst/>
+          </a:prstGeom>
+          <a:ln w="28575">
+            <a:solidFill>
+              <a:schemeClr val="accent2"/>
+            </a:solidFill>
+            <a:tailEnd type="triangle"/>
+          </a:ln>
+        </p:spPr>
+        <p:style>
+          <a:lnRef idx="1">
+            <a:schemeClr val="accent1"/>
+          </a:lnRef>
+          <a:fillRef idx="0">
+            <a:schemeClr val="accent1"/>
+          </a:fillRef>
+          <a:effectRef idx="0">
+            <a:schemeClr val="accent1"/>
+          </a:effectRef>
+          <a:fontRef idx="minor">
+            <a:schemeClr val="tx1"/>
+          </a:fontRef>
+        </p:style>
+      </p:cxnSp>
+      <p:sp>
+        <p:nvSpPr>
+          <p:cNvPr id="25" name="TextBox 24">
+            <a:extLst>
+              <a:ext uri="{FF2B5EF4-FFF2-40B4-BE49-F238E27FC236}">
+                <a16:creationId xmlns:a16="http://schemas.microsoft.com/office/drawing/2014/main" id="{0936862E-E0F0-4400-B0BA-63329E66C270}"/>
+              </a:ext>
+            </a:extLst>
+          </p:cNvPr>
+          <p:cNvSpPr txBox="1"/>
+          <p:nvPr/>
+        </p:nvSpPr>
+        <p:spPr>
+          <a:xfrm flipH="1">
+            <a:off x="10247508" y="783198"/>
+            <a:ext cx="1067568" cy="246221"/>
+          </a:xfrm>
+          <a:prstGeom prst="rect">
+            <a:avLst/>
+          </a:prstGeom>
+          <a:noFill/>
+        </p:spPr>
+        <p:txBody>
+          <a:bodyPr wrap="square" rtlCol="0">
+            <a:spAutoFit/>
+          </a:bodyPr>
+          <a:lstStyle/>
+          <a:p>
+            <a:pPr algn="ctr"/>
+            <a:r>
+              <a:rPr lang="en-US" altLang="ko-KR" sz="1000" b="1" dirty="0">
+                <a:latin typeface="Times New Roman" panose="02020603050405020304" pitchFamily="18" charset="0"/>
+                <a:cs typeface="Times New Roman" panose="02020603050405020304" pitchFamily="18" charset="0"/>
+              </a:rPr>
+              <a:t>Extends</a:t>
+            </a:r>
+            <a:endParaRPr lang="ko-KR" altLang="en-US" sz="1000" b="1" dirty="0">
+              <a:latin typeface="Times New Roman" panose="02020603050405020304" pitchFamily="18" charset="0"/>
+              <a:cs typeface="Times New Roman" panose="02020603050405020304" pitchFamily="18" charset="0"/>
+            </a:endParaRPr>
+          </a:p>
+        </p:txBody>
+      </p:sp>
+      <p:sp>
+        <p:nvSpPr>
+          <p:cNvPr id="14" name="TextBox 13">
+            <a:extLst>
+              <a:ext uri="{FF2B5EF4-FFF2-40B4-BE49-F238E27FC236}">
+                <a16:creationId xmlns:a16="http://schemas.microsoft.com/office/drawing/2014/main" id="{1DB1C1D2-241E-4925-93E2-3A892E8E71B8}"/>
+              </a:ext>
+            </a:extLst>
+          </p:cNvPr>
+          <p:cNvSpPr txBox="1"/>
+          <p:nvPr/>
+        </p:nvSpPr>
+        <p:spPr>
+          <a:xfrm flipH="1">
+            <a:off x="9882692" y="1347210"/>
+            <a:ext cx="399600" cy="400110"/>
+          </a:xfrm>
+          <a:prstGeom prst="rect">
+            <a:avLst/>
+          </a:prstGeom>
+          <a:noFill/>
+        </p:spPr>
+        <p:txBody>
+          <a:bodyPr wrap="square" rtlCol="0">
+            <a:spAutoFit/>
+          </a:bodyPr>
+          <a:lstStyle/>
+          <a:p>
+            <a:pPr algn="ctr"/>
+            <a:r>
+              <a:rPr lang="en-US" altLang="ko-KR" sz="2000" b="1" dirty="0">
+                <a:latin typeface="Times New Roman" panose="02020603050405020304" pitchFamily="18" charset="0"/>
+                <a:cs typeface="Times New Roman" panose="02020603050405020304" pitchFamily="18" charset="0"/>
+              </a:rPr>
+              <a:t>A</a:t>
+            </a:r>
+            <a:endParaRPr lang="ko-KR" altLang="en-US" sz="2000" b="1" dirty="0">
+              <a:latin typeface="Times New Roman" panose="02020603050405020304" pitchFamily="18" charset="0"/>
+              <a:cs typeface="Times New Roman" panose="02020603050405020304" pitchFamily="18" charset="0"/>
+            </a:endParaRPr>
+          </a:p>
+        </p:txBody>
+      </p:sp>
+      <p:sp>
+        <p:nvSpPr>
+          <p:cNvPr id="15" name="TextBox 14">
+            <a:extLst>
+              <a:ext uri="{FF2B5EF4-FFF2-40B4-BE49-F238E27FC236}">
+                <a16:creationId xmlns:a16="http://schemas.microsoft.com/office/drawing/2014/main" id="{2890440C-F8FA-472E-A0F8-2576783DE3E7}"/>
+              </a:ext>
+            </a:extLst>
+          </p:cNvPr>
+          <p:cNvSpPr txBox="1"/>
+          <p:nvPr/>
+        </p:nvSpPr>
+        <p:spPr>
+          <a:xfrm flipH="1">
+            <a:off x="11280293" y="1347210"/>
+            <a:ext cx="399600" cy="400110"/>
+          </a:xfrm>
+          <a:prstGeom prst="rect">
+            <a:avLst/>
+          </a:prstGeom>
+          <a:noFill/>
+        </p:spPr>
+        <p:txBody>
+          <a:bodyPr wrap="square" rtlCol="0">
+            <a:spAutoFit/>
+          </a:bodyPr>
+          <a:lstStyle/>
+          <a:p>
+            <a:pPr algn="ctr"/>
+            <a:r>
+              <a:rPr lang="en-US" altLang="ko-KR" sz="2000" b="1" dirty="0">
+                <a:latin typeface="Times New Roman" panose="02020603050405020304" pitchFamily="18" charset="0"/>
+                <a:cs typeface="Times New Roman" panose="02020603050405020304" pitchFamily="18" charset="0"/>
+              </a:rPr>
+              <a:t>B</a:t>
+            </a:r>
+            <a:endParaRPr lang="ko-KR" altLang="en-US" sz="2000" b="1" dirty="0">
+              <a:latin typeface="Times New Roman" panose="02020603050405020304" pitchFamily="18" charset="0"/>
+              <a:cs typeface="Times New Roman" panose="02020603050405020304" pitchFamily="18" charset="0"/>
+            </a:endParaRPr>
+          </a:p>
+        </p:txBody>
+      </p:sp>
+      <p:cxnSp>
+        <p:nvCxnSpPr>
+          <p:cNvPr id="16" name="직선 화살표 연결선 15">
+            <a:extLst>
+              <a:ext uri="{FF2B5EF4-FFF2-40B4-BE49-F238E27FC236}">
+                <a16:creationId xmlns:a16="http://schemas.microsoft.com/office/drawing/2014/main" id="{1C472F27-C7DA-4494-88C5-FB037347C2CE}"/>
+              </a:ext>
+            </a:extLst>
+          </p:cNvPr>
+          <p:cNvCxnSpPr>
+            <a:stCxn id="14" idx="1"/>
+            <a:endCxn id="15" idx="3"/>
+          </p:cNvCxnSpPr>
+          <p:nvPr/>
+        </p:nvCxnSpPr>
+        <p:spPr>
+          <a:xfrm>
+            <a:off x="10282292" y="1547265"/>
+            <a:ext cx="998001" cy="0"/>
+          </a:xfrm>
+          <a:prstGeom prst="straightConnector1">
+            <a:avLst/>
+          </a:prstGeom>
+          <a:ln w="28575">
+            <a:solidFill>
+              <a:schemeClr val="accent6"/>
+            </a:solidFill>
+            <a:prstDash val="sysDot"/>
+            <a:tailEnd type="triangle"/>
+          </a:ln>
+        </p:spPr>
+        <p:style>
+          <a:lnRef idx="1">
+            <a:schemeClr val="accent1"/>
+          </a:lnRef>
+          <a:fillRef idx="0">
+            <a:schemeClr val="accent1"/>
+          </a:fillRef>
+          <a:effectRef idx="0">
+            <a:schemeClr val="accent1"/>
+          </a:effectRef>
+          <a:fontRef idx="minor">
+            <a:schemeClr val="tx1"/>
+          </a:fontRef>
+        </p:style>
+      </p:cxnSp>
+      <p:sp>
+        <p:nvSpPr>
+          <p:cNvPr id="26" name="TextBox 25">
+            <a:extLst>
+              <a:ext uri="{FF2B5EF4-FFF2-40B4-BE49-F238E27FC236}">
+                <a16:creationId xmlns:a16="http://schemas.microsoft.com/office/drawing/2014/main" id="{C43064A3-CCD6-44A3-AC8D-22F1DEAF7EA1}"/>
+              </a:ext>
+            </a:extLst>
+          </p:cNvPr>
+          <p:cNvSpPr txBox="1"/>
+          <p:nvPr/>
+        </p:nvSpPr>
+        <p:spPr>
+          <a:xfrm flipH="1">
+            <a:off x="10247508" y="1301044"/>
+            <a:ext cx="1067568" cy="246221"/>
+          </a:xfrm>
+          <a:prstGeom prst="rect">
+            <a:avLst/>
+          </a:prstGeom>
+          <a:noFill/>
+        </p:spPr>
+        <p:txBody>
+          <a:bodyPr wrap="square" rtlCol="0">
+            <a:spAutoFit/>
+          </a:bodyPr>
+          <a:lstStyle/>
+          <a:p>
+            <a:pPr algn="ctr"/>
+            <a:r>
+              <a:rPr lang="en-US" altLang="ko-KR" sz="1000" b="1" dirty="0">
+                <a:latin typeface="Times New Roman" panose="02020603050405020304" pitchFamily="18" charset="0"/>
+                <a:cs typeface="Times New Roman" panose="02020603050405020304" pitchFamily="18" charset="0"/>
+              </a:rPr>
+              <a:t>Has</a:t>
+            </a:r>
+            <a:endParaRPr lang="ko-KR" altLang="en-US" sz="1000" b="1" dirty="0">
+              <a:latin typeface="Times New Roman" panose="02020603050405020304" pitchFamily="18" charset="0"/>
+              <a:cs typeface="Times New Roman" panose="02020603050405020304" pitchFamily="18" charset="0"/>
+            </a:endParaRPr>
+          </a:p>
+        </p:txBody>
+      </p:sp>
+      <p:grpSp>
+        <p:nvGrpSpPr>
+          <p:cNvPr id="1079" name="그룹 1078">
+            <a:extLst>
+              <a:ext uri="{FF2B5EF4-FFF2-40B4-BE49-F238E27FC236}">
+                <a16:creationId xmlns:a16="http://schemas.microsoft.com/office/drawing/2014/main" id="{01CD9DA8-A077-4D6D-9702-7EEF020072EF}"/>
+              </a:ext>
+            </a:extLst>
+          </p:cNvPr>
+          <p:cNvGrpSpPr/>
+          <p:nvPr/>
+        </p:nvGrpSpPr>
+        <p:grpSpPr>
+          <a:xfrm>
+            <a:off x="9882692" y="1826383"/>
+            <a:ext cx="1797200" cy="246221"/>
+            <a:chOff x="10003282" y="1757701"/>
+            <a:chExt cx="1797200" cy="246221"/>
+          </a:xfrm>
+        </p:grpSpPr>
+        <p:sp>
+          <p:nvSpPr>
+            <p:cNvPr id="29" name="사각형: 둥근 모서리 28">
+              <a:extLst>
+                <a:ext uri="{FF2B5EF4-FFF2-40B4-BE49-F238E27FC236}">
+                  <a16:creationId xmlns:a16="http://schemas.microsoft.com/office/drawing/2014/main" id="{D2FD1CDE-D30D-4ED6-9406-F3D134422BE0}"/>
+                </a:ext>
+              </a:extLst>
+            </p:cNvPr>
+            <p:cNvSpPr/>
+            <p:nvPr/>
+          </p:nvSpPr>
+          <p:spPr>
+            <a:xfrm>
+              <a:off x="10003282" y="1759122"/>
+              <a:ext cx="1067568" cy="244800"/>
+            </a:xfrm>
+            <a:prstGeom prst="roundRect">
+              <a:avLst>
+                <a:gd name="adj" fmla="val 6940"/>
+              </a:avLst>
+            </a:prstGeom>
+            <a:ln>
+              <a:prstDash val="solid"/>
+            </a:ln>
+          </p:spPr>
+          <p:style>
+            <a:lnRef idx="1">
+              <a:schemeClr val="accent5"/>
+            </a:lnRef>
+            <a:fillRef idx="2">
+              <a:schemeClr val="accent5"/>
+            </a:fillRef>
+            <a:effectRef idx="1">
+              <a:schemeClr val="accent5"/>
+            </a:effectRef>
+            <a:fontRef idx="minor">
+              <a:schemeClr val="dk1"/>
+            </a:fontRef>
+          </p:style>
+          <p:txBody>
+            <a:bodyPr rtlCol="0" anchor="ctr"/>
+            <a:lstStyle/>
+            <a:p>
+              <a:pPr algn="ctr"/>
+              <a:endParaRPr lang="ko-KR" altLang="en-US" sz="1600" dirty="0">
+                <a:solidFill>
+                  <a:schemeClr val="tx1"/>
+                </a:solidFill>
+                <a:latin typeface="Times New Roman" panose="02020603050405020304" pitchFamily="18" charset="0"/>
+                <a:cs typeface="Times New Roman" panose="02020603050405020304" pitchFamily="18" charset="0"/>
+              </a:endParaRPr>
+            </a:p>
+          </p:txBody>
+        </p:sp>
+        <p:sp>
+          <p:nvSpPr>
+            <p:cNvPr id="30" name="TextBox 29">
+              <a:extLst>
+                <a:ext uri="{FF2B5EF4-FFF2-40B4-BE49-F238E27FC236}">
+                  <a16:creationId xmlns:a16="http://schemas.microsoft.com/office/drawing/2014/main" id="{AFB1082C-903B-4BDE-941E-49D7A0E76555}"/>
+                </a:ext>
+              </a:extLst>
+            </p:cNvPr>
+            <p:cNvSpPr txBox="1"/>
+            <p:nvPr/>
+          </p:nvSpPr>
+          <p:spPr>
+            <a:xfrm flipH="1">
+              <a:off x="11070849" y="1757701"/>
+              <a:ext cx="729633" cy="246221"/>
+            </a:xfrm>
+            <a:prstGeom prst="rect">
+              <a:avLst/>
+            </a:prstGeom>
+            <a:noFill/>
+          </p:spPr>
+          <p:txBody>
+            <a:bodyPr wrap="square" rtlCol="0">
+              <a:spAutoFit/>
+            </a:bodyPr>
+            <a:lstStyle/>
+            <a:p>
+              <a:r>
+                <a:rPr lang="en-US" altLang="ko-KR" sz="1000" b="1" dirty="0">
+                  <a:latin typeface="Times New Roman" panose="02020603050405020304" pitchFamily="18" charset="0"/>
+                  <a:cs typeface="Times New Roman" panose="02020603050405020304" pitchFamily="18" charset="0"/>
+                </a:rPr>
+                <a:t>Class</a:t>
+              </a:r>
+              <a:endParaRPr lang="ko-KR" altLang="en-US" sz="1000" b="1" dirty="0">
+                <a:latin typeface="Times New Roman" panose="02020603050405020304" pitchFamily="18" charset="0"/>
+                <a:cs typeface="Times New Roman" panose="02020603050405020304" pitchFamily="18" charset="0"/>
+              </a:endParaRPr>
+            </a:p>
+          </p:txBody>
+        </p:sp>
+      </p:grpSp>
+      <p:grpSp>
+        <p:nvGrpSpPr>
+          <p:cNvPr id="1082" name="그룹 1081">
+            <a:extLst>
+              <a:ext uri="{FF2B5EF4-FFF2-40B4-BE49-F238E27FC236}">
+                <a16:creationId xmlns:a16="http://schemas.microsoft.com/office/drawing/2014/main" id="{B33F2F2E-C30D-4F7D-9EFD-255704D2DD56}"/>
+              </a:ext>
+            </a:extLst>
+          </p:cNvPr>
+          <p:cNvGrpSpPr/>
+          <p:nvPr/>
+        </p:nvGrpSpPr>
+        <p:grpSpPr>
+          <a:xfrm>
+            <a:off x="9882692" y="3175035"/>
+            <a:ext cx="1927573" cy="247254"/>
+            <a:chOff x="10003282" y="3070406"/>
+            <a:chExt cx="1927573" cy="247254"/>
+          </a:xfrm>
+        </p:grpSpPr>
+        <p:sp>
+          <p:nvSpPr>
+            <p:cNvPr id="33" name="사각형: 둥근 모서리 32">
+              <a:extLst>
+                <a:ext uri="{FF2B5EF4-FFF2-40B4-BE49-F238E27FC236}">
+                  <a16:creationId xmlns:a16="http://schemas.microsoft.com/office/drawing/2014/main" id="{16FD2265-F8F1-409B-A693-57AF8D8A165E}"/>
+                </a:ext>
+              </a:extLst>
+            </p:cNvPr>
+            <p:cNvSpPr/>
+            <p:nvPr/>
+          </p:nvSpPr>
+          <p:spPr>
+            <a:xfrm>
+              <a:off x="10003282" y="3070406"/>
+              <a:ext cx="1067568" cy="244800"/>
+            </a:xfrm>
+            <a:prstGeom prst="roundRect">
+              <a:avLst>
+                <a:gd name="adj" fmla="val 6940"/>
+              </a:avLst>
+            </a:prstGeom>
+            <a:ln>
+              <a:prstDash val="solid"/>
+            </a:ln>
+          </p:spPr>
+          <p:style>
+            <a:lnRef idx="1">
+              <a:schemeClr val="accent6"/>
+            </a:lnRef>
+            <a:fillRef idx="2">
+              <a:schemeClr val="accent6"/>
+            </a:fillRef>
+            <a:effectRef idx="1">
+              <a:schemeClr val="accent6"/>
+            </a:effectRef>
+            <a:fontRef idx="minor">
+              <a:schemeClr val="dk1"/>
+            </a:fontRef>
+          </p:style>
+          <p:txBody>
+            <a:bodyPr rtlCol="0" anchor="ctr"/>
+            <a:lstStyle/>
+            <a:p>
+              <a:pPr algn="ctr"/>
+              <a:endParaRPr lang="ko-KR" altLang="en-US" sz="1600" dirty="0">
+                <a:solidFill>
+                  <a:schemeClr val="tx1"/>
+                </a:solidFill>
+                <a:latin typeface="Times New Roman" panose="02020603050405020304" pitchFamily="18" charset="0"/>
+                <a:cs typeface="Times New Roman" panose="02020603050405020304" pitchFamily="18" charset="0"/>
+              </a:endParaRPr>
+            </a:p>
+          </p:txBody>
+        </p:sp>
+        <p:sp>
+          <p:nvSpPr>
+            <p:cNvPr id="34" name="TextBox 33">
+              <a:extLst>
+                <a:ext uri="{FF2B5EF4-FFF2-40B4-BE49-F238E27FC236}">
+                  <a16:creationId xmlns:a16="http://schemas.microsoft.com/office/drawing/2014/main" id="{423894B7-935D-4BA5-AB5E-E201B8C98C4B}"/>
+                </a:ext>
+              </a:extLst>
+            </p:cNvPr>
+            <p:cNvSpPr txBox="1"/>
+            <p:nvPr/>
+          </p:nvSpPr>
+          <p:spPr>
+            <a:xfrm flipH="1">
+              <a:off x="11070848" y="3071439"/>
+              <a:ext cx="860007" cy="246221"/>
+            </a:xfrm>
+            <a:prstGeom prst="rect">
+              <a:avLst/>
+            </a:prstGeom>
+            <a:noFill/>
+          </p:spPr>
+          <p:txBody>
+            <a:bodyPr wrap="square" rtlCol="0">
+              <a:spAutoFit/>
+            </a:bodyPr>
+            <a:lstStyle/>
+            <a:p>
+              <a:r>
+                <a:rPr lang="en-US" altLang="ko-KR" sz="1000" b="1" dirty="0">
+                  <a:latin typeface="Times New Roman" panose="02020603050405020304" pitchFamily="18" charset="0"/>
+                  <a:cs typeface="Times New Roman" panose="02020603050405020304" pitchFamily="18" charset="0"/>
+                </a:rPr>
+                <a:t>Enum</a:t>
+              </a:r>
+              <a:endParaRPr lang="ko-KR" altLang="en-US" sz="1000" b="1" dirty="0">
+                <a:latin typeface="Times New Roman" panose="02020603050405020304" pitchFamily="18" charset="0"/>
+                <a:cs typeface="Times New Roman" panose="02020603050405020304" pitchFamily="18" charset="0"/>
+              </a:endParaRPr>
+            </a:p>
+          </p:txBody>
+        </p:sp>
+      </p:grpSp>
+      <p:grpSp>
+        <p:nvGrpSpPr>
+          <p:cNvPr id="1083" name="그룹 1082">
+            <a:extLst>
+              <a:ext uri="{FF2B5EF4-FFF2-40B4-BE49-F238E27FC236}">
+                <a16:creationId xmlns:a16="http://schemas.microsoft.com/office/drawing/2014/main" id="{B0737104-15EF-4093-8C54-A3D844044335}"/>
+              </a:ext>
+            </a:extLst>
+          </p:cNvPr>
+          <p:cNvGrpSpPr/>
+          <p:nvPr/>
+        </p:nvGrpSpPr>
+        <p:grpSpPr>
+          <a:xfrm>
+            <a:off x="9882692" y="3523026"/>
+            <a:ext cx="1927572" cy="400110"/>
+            <a:chOff x="10003282" y="3406415"/>
+            <a:chExt cx="1927572" cy="400110"/>
+          </a:xfrm>
+        </p:grpSpPr>
+        <p:sp>
+          <p:nvSpPr>
+            <p:cNvPr id="35" name="사각형: 둥근 모서리 34">
+              <a:extLst>
+                <a:ext uri="{FF2B5EF4-FFF2-40B4-BE49-F238E27FC236}">
+                  <a16:creationId xmlns:a16="http://schemas.microsoft.com/office/drawing/2014/main" id="{1BF0B431-E715-4BB8-B3C9-2320276DF004}"/>
+                </a:ext>
+              </a:extLst>
+            </p:cNvPr>
+            <p:cNvSpPr/>
+            <p:nvPr/>
+          </p:nvSpPr>
+          <p:spPr>
+            <a:xfrm>
+              <a:off x="10003282" y="3484070"/>
+              <a:ext cx="1067568" cy="244800"/>
+            </a:xfrm>
+            <a:prstGeom prst="roundRect">
+              <a:avLst>
+                <a:gd name="adj" fmla="val 6940"/>
+              </a:avLst>
+            </a:prstGeom>
+            <a:ln>
+              <a:prstDash val="solid"/>
+            </a:ln>
+          </p:spPr>
+          <p:style>
+            <a:lnRef idx="1">
+              <a:schemeClr val="accent4"/>
+            </a:lnRef>
+            <a:fillRef idx="2">
+              <a:schemeClr val="accent4"/>
+            </a:fillRef>
+            <a:effectRef idx="1">
+              <a:schemeClr val="accent4"/>
+            </a:effectRef>
+            <a:fontRef idx="minor">
+              <a:schemeClr val="dk1"/>
+            </a:fontRef>
+          </p:style>
+          <p:txBody>
+            <a:bodyPr rtlCol="0" anchor="ctr"/>
+            <a:lstStyle/>
+            <a:p>
+              <a:pPr algn="ctr"/>
+              <a:endParaRPr lang="ko-KR" altLang="en-US" sz="1600" dirty="0">
+                <a:solidFill>
+                  <a:schemeClr val="tx1"/>
+                </a:solidFill>
+                <a:latin typeface="Times New Roman" panose="02020603050405020304" pitchFamily="18" charset="0"/>
+                <a:cs typeface="Times New Roman" panose="02020603050405020304" pitchFamily="18" charset="0"/>
+              </a:endParaRPr>
+            </a:p>
+          </p:txBody>
+        </p:sp>
+        <p:sp>
+          <p:nvSpPr>
+            <p:cNvPr id="36" name="TextBox 35">
+              <a:extLst>
+                <a:ext uri="{FF2B5EF4-FFF2-40B4-BE49-F238E27FC236}">
+                  <a16:creationId xmlns:a16="http://schemas.microsoft.com/office/drawing/2014/main" id="{A2A86BB1-E1C1-4A29-8FEB-EDA1DED0E0F3}"/>
+                </a:ext>
+              </a:extLst>
+            </p:cNvPr>
+            <p:cNvSpPr txBox="1"/>
+            <p:nvPr/>
+          </p:nvSpPr>
+          <p:spPr>
+            <a:xfrm flipH="1">
+              <a:off x="11070847" y="3406415"/>
+              <a:ext cx="860007" cy="400110"/>
+            </a:xfrm>
+            <a:prstGeom prst="rect">
+              <a:avLst/>
+            </a:prstGeom>
+            <a:noFill/>
+          </p:spPr>
+          <p:txBody>
+            <a:bodyPr wrap="square" rtlCol="0">
+              <a:spAutoFit/>
+            </a:bodyPr>
+            <a:lstStyle/>
+            <a:p>
+              <a:r>
+                <a:rPr lang="en-US" altLang="ko-KR" sz="1000" b="1" dirty="0">
+                  <a:latin typeface="Times New Roman" panose="02020603050405020304" pitchFamily="18" charset="0"/>
+                  <a:cs typeface="Times New Roman" panose="02020603050405020304" pitchFamily="18" charset="0"/>
+                </a:rPr>
+                <a:t>Protocol</a:t>
+              </a:r>
+            </a:p>
+            <a:p>
+              <a:r>
+                <a:rPr lang="en-US" altLang="ko-KR" sz="1000" b="1" dirty="0">
+                  <a:latin typeface="Times New Roman" panose="02020603050405020304" pitchFamily="18" charset="0"/>
+                  <a:cs typeface="Times New Roman" panose="02020603050405020304" pitchFamily="18" charset="0"/>
+                </a:rPr>
+                <a:t>(Interface)</a:t>
+              </a:r>
+              <a:endParaRPr lang="ko-KR" altLang="en-US" sz="1000" b="1" dirty="0">
+                <a:latin typeface="Times New Roman" panose="02020603050405020304" pitchFamily="18" charset="0"/>
+                <a:cs typeface="Times New Roman" panose="02020603050405020304" pitchFamily="18" charset="0"/>
+              </a:endParaRPr>
+            </a:p>
+          </p:txBody>
+        </p:sp>
+      </p:grpSp>
+      <p:grpSp>
+        <p:nvGrpSpPr>
+          <p:cNvPr id="1081" name="그룹 1080">
+            <a:extLst>
+              <a:ext uri="{FF2B5EF4-FFF2-40B4-BE49-F238E27FC236}">
+                <a16:creationId xmlns:a16="http://schemas.microsoft.com/office/drawing/2014/main" id="{E477566B-FACD-4C3D-96FE-6FEEDDFF1384}"/>
+              </a:ext>
+            </a:extLst>
+          </p:cNvPr>
+          <p:cNvGrpSpPr/>
+          <p:nvPr/>
+        </p:nvGrpSpPr>
+        <p:grpSpPr>
+          <a:xfrm>
+            <a:off x="9882692" y="2674188"/>
+            <a:ext cx="1902967" cy="400110"/>
+            <a:chOff x="10003282" y="2581541"/>
+            <a:chExt cx="1902967" cy="400110"/>
+          </a:xfrm>
+        </p:grpSpPr>
+        <p:sp>
+          <p:nvSpPr>
+            <p:cNvPr id="40" name="사각형: 둥근 모서리 39">
+              <a:extLst>
+                <a:ext uri="{FF2B5EF4-FFF2-40B4-BE49-F238E27FC236}">
+                  <a16:creationId xmlns:a16="http://schemas.microsoft.com/office/drawing/2014/main" id="{1B36DCA6-0788-4F66-87CB-D65C95DD63CD}"/>
+                </a:ext>
+              </a:extLst>
+            </p:cNvPr>
+            <p:cNvSpPr/>
+            <p:nvPr/>
+          </p:nvSpPr>
+          <p:spPr>
+            <a:xfrm>
+              <a:off x="10003282" y="2659196"/>
+              <a:ext cx="1067568" cy="244800"/>
+            </a:xfrm>
+            <a:prstGeom prst="roundRect">
+              <a:avLst>
+                <a:gd name="adj" fmla="val 6940"/>
+              </a:avLst>
+            </a:prstGeom>
+            <a:ln/>
+          </p:spPr>
+          <p:style>
+            <a:lnRef idx="2">
+              <a:schemeClr val="accent5"/>
+            </a:lnRef>
+            <a:fillRef idx="1">
+              <a:schemeClr val="lt1"/>
+            </a:fillRef>
+            <a:effectRef idx="0">
+              <a:schemeClr val="accent5"/>
+            </a:effectRef>
+            <a:fontRef idx="minor">
+              <a:schemeClr val="dk1"/>
+            </a:fontRef>
+          </p:style>
+          <p:txBody>
+            <a:bodyPr rtlCol="0" anchor="ctr"/>
+            <a:lstStyle/>
+            <a:p>
+              <a:pPr algn="ctr"/>
+              <a:endParaRPr lang="ko-KR" altLang="en-US" sz="1600" dirty="0">
+                <a:solidFill>
+                  <a:schemeClr val="tx1"/>
+                </a:solidFill>
+                <a:latin typeface="Times New Roman" panose="02020603050405020304" pitchFamily="18" charset="0"/>
+                <a:cs typeface="Times New Roman" panose="02020603050405020304" pitchFamily="18" charset="0"/>
+              </a:endParaRPr>
+            </a:p>
+          </p:txBody>
+        </p:sp>
+        <p:sp>
+          <p:nvSpPr>
+            <p:cNvPr id="41" name="TextBox 40">
+              <a:extLst>
+                <a:ext uri="{FF2B5EF4-FFF2-40B4-BE49-F238E27FC236}">
+                  <a16:creationId xmlns:a16="http://schemas.microsoft.com/office/drawing/2014/main" id="{DB051D45-CCC2-4618-B215-73BDAE901BC8}"/>
+                </a:ext>
+              </a:extLst>
+            </p:cNvPr>
+            <p:cNvSpPr txBox="1"/>
+            <p:nvPr/>
+          </p:nvSpPr>
+          <p:spPr>
+            <a:xfrm flipH="1">
+              <a:off x="11070848" y="2581541"/>
+              <a:ext cx="835401" cy="400110"/>
+            </a:xfrm>
+            <a:prstGeom prst="rect">
+              <a:avLst/>
+            </a:prstGeom>
+            <a:noFill/>
+          </p:spPr>
+          <p:txBody>
+            <a:bodyPr wrap="square" rtlCol="0">
+              <a:spAutoFit/>
+            </a:bodyPr>
+            <a:lstStyle/>
+            <a:p>
+              <a:r>
+                <a:rPr lang="en-US" altLang="ko-KR" sz="1000" b="1" dirty="0">
+                  <a:latin typeface="Times New Roman" panose="02020603050405020304" pitchFamily="18" charset="0"/>
+                  <a:cs typeface="Times New Roman" panose="02020603050405020304" pitchFamily="18" charset="0"/>
+                </a:rPr>
+                <a:t>Embedded Class</a:t>
+              </a:r>
+              <a:endParaRPr lang="ko-KR" altLang="en-US" sz="1000" b="1" dirty="0">
+                <a:latin typeface="Times New Roman" panose="02020603050405020304" pitchFamily="18" charset="0"/>
+                <a:cs typeface="Times New Roman" panose="02020603050405020304" pitchFamily="18" charset="0"/>
+              </a:endParaRPr>
+            </a:p>
+          </p:txBody>
+        </p:sp>
+      </p:grpSp>
+      <p:grpSp>
+        <p:nvGrpSpPr>
+          <p:cNvPr id="1080" name="그룹 1079">
+            <a:extLst>
+              <a:ext uri="{FF2B5EF4-FFF2-40B4-BE49-F238E27FC236}">
+                <a16:creationId xmlns:a16="http://schemas.microsoft.com/office/drawing/2014/main" id="{ECB163B7-2034-4FBA-97B3-B7FB5D69630E}"/>
+              </a:ext>
+            </a:extLst>
+          </p:cNvPr>
+          <p:cNvGrpSpPr/>
+          <p:nvPr/>
+        </p:nvGrpSpPr>
+        <p:grpSpPr>
+          <a:xfrm>
+            <a:off x="9882692" y="2173341"/>
+            <a:ext cx="1797200" cy="400110"/>
+            <a:chOff x="10003282" y="2092676"/>
+            <a:chExt cx="1797200" cy="400110"/>
+          </a:xfrm>
+        </p:grpSpPr>
+        <p:sp>
+          <p:nvSpPr>
+            <p:cNvPr id="52" name="사각형: 둥근 모서리 51">
+              <a:extLst>
+                <a:ext uri="{FF2B5EF4-FFF2-40B4-BE49-F238E27FC236}">
+                  <a16:creationId xmlns:a16="http://schemas.microsoft.com/office/drawing/2014/main" id="{58CB4431-9E80-4959-BC68-13C6121C8BC4}"/>
+                </a:ext>
+              </a:extLst>
+            </p:cNvPr>
+            <p:cNvSpPr/>
+            <p:nvPr/>
+          </p:nvSpPr>
+          <p:spPr>
+            <a:xfrm>
+              <a:off x="10003282" y="2164414"/>
+              <a:ext cx="1067568" cy="244800"/>
+            </a:xfrm>
+            <a:prstGeom prst="roundRect">
+              <a:avLst>
+                <a:gd name="adj" fmla="val 6940"/>
+              </a:avLst>
+            </a:prstGeom>
+            <a:ln/>
+          </p:spPr>
+          <p:style>
+            <a:lnRef idx="0">
+              <a:schemeClr val="accent5"/>
+            </a:lnRef>
+            <a:fillRef idx="3">
+              <a:schemeClr val="accent5"/>
+            </a:fillRef>
+            <a:effectRef idx="3">
+              <a:schemeClr val="accent5"/>
+            </a:effectRef>
+            <a:fontRef idx="minor">
+              <a:schemeClr val="lt1"/>
+            </a:fontRef>
+          </p:style>
+          <p:txBody>
+            <a:bodyPr rtlCol="0" anchor="ctr"/>
+            <a:lstStyle/>
+            <a:p>
+              <a:pPr algn="ctr"/>
+              <a:endParaRPr lang="ko-KR" altLang="en-US" sz="1600" dirty="0">
+                <a:solidFill>
+                  <a:schemeClr val="tx1"/>
+                </a:solidFill>
+                <a:latin typeface="Times New Roman" panose="02020603050405020304" pitchFamily="18" charset="0"/>
+                <a:cs typeface="Times New Roman" panose="02020603050405020304" pitchFamily="18" charset="0"/>
+              </a:endParaRPr>
+            </a:p>
+          </p:txBody>
+        </p:sp>
+        <p:sp>
+          <p:nvSpPr>
+            <p:cNvPr id="53" name="TextBox 52">
+              <a:extLst>
+                <a:ext uri="{FF2B5EF4-FFF2-40B4-BE49-F238E27FC236}">
+                  <a16:creationId xmlns:a16="http://schemas.microsoft.com/office/drawing/2014/main" id="{590539C7-C123-4B98-92C2-91B131693E18}"/>
+                </a:ext>
+              </a:extLst>
+            </p:cNvPr>
+            <p:cNvSpPr txBox="1"/>
+            <p:nvPr/>
+          </p:nvSpPr>
+          <p:spPr>
+            <a:xfrm flipH="1">
+              <a:off x="11070849" y="2092676"/>
+              <a:ext cx="729633" cy="400110"/>
+            </a:xfrm>
+            <a:prstGeom prst="rect">
+              <a:avLst/>
+            </a:prstGeom>
+            <a:noFill/>
+          </p:spPr>
+          <p:txBody>
+            <a:bodyPr wrap="square" rtlCol="0">
+              <a:spAutoFit/>
+            </a:bodyPr>
+            <a:lstStyle/>
+            <a:p>
+              <a:r>
+                <a:rPr lang="en-US" altLang="ko-KR" sz="1000" b="1" dirty="0">
+                  <a:latin typeface="Times New Roman" panose="02020603050405020304" pitchFamily="18" charset="0"/>
+                  <a:cs typeface="Times New Roman" panose="02020603050405020304" pitchFamily="18" charset="0"/>
+                </a:rPr>
+                <a:t>Internal</a:t>
+              </a:r>
+            </a:p>
+            <a:p>
+              <a:r>
+                <a:rPr lang="en-US" altLang="ko-KR" sz="1000" b="1" dirty="0">
+                  <a:latin typeface="Times New Roman" panose="02020603050405020304" pitchFamily="18" charset="0"/>
+                  <a:cs typeface="Times New Roman" panose="02020603050405020304" pitchFamily="18" charset="0"/>
+                </a:rPr>
+                <a:t>Class</a:t>
+              </a:r>
+              <a:endParaRPr lang="ko-KR" altLang="en-US" sz="1000" b="1" dirty="0">
+                <a:latin typeface="Times New Roman" panose="02020603050405020304" pitchFamily="18" charset="0"/>
+                <a:cs typeface="Times New Roman" panose="02020603050405020304" pitchFamily="18" charset="0"/>
+              </a:endParaRPr>
+            </a:p>
+          </p:txBody>
+        </p:sp>
+      </p:grpSp>
+      <p:grpSp>
+        <p:nvGrpSpPr>
+          <p:cNvPr id="1084" name="그룹 1083">
+            <a:extLst>
+              <a:ext uri="{FF2B5EF4-FFF2-40B4-BE49-F238E27FC236}">
+                <a16:creationId xmlns:a16="http://schemas.microsoft.com/office/drawing/2014/main" id="{F672C20C-7572-4735-B6AE-E846D410FF80}"/>
+              </a:ext>
+            </a:extLst>
+          </p:cNvPr>
+          <p:cNvGrpSpPr/>
+          <p:nvPr/>
+        </p:nvGrpSpPr>
+        <p:grpSpPr>
+          <a:xfrm>
+            <a:off x="9882692" y="4023874"/>
+            <a:ext cx="1927571" cy="400110"/>
+            <a:chOff x="10003282" y="3955192"/>
+            <a:chExt cx="1927571" cy="400110"/>
+          </a:xfrm>
+        </p:grpSpPr>
+        <p:sp>
+          <p:nvSpPr>
+            <p:cNvPr id="55" name="사각형: 둥근 모서리 54">
+              <a:extLst>
+                <a:ext uri="{FF2B5EF4-FFF2-40B4-BE49-F238E27FC236}">
+                  <a16:creationId xmlns:a16="http://schemas.microsoft.com/office/drawing/2014/main" id="{9F42AD7B-C686-4E96-968C-FEF239923E71}"/>
+                </a:ext>
+              </a:extLst>
+            </p:cNvPr>
+            <p:cNvSpPr/>
+            <p:nvPr/>
+          </p:nvSpPr>
+          <p:spPr>
+            <a:xfrm>
+              <a:off x="10003282" y="4032847"/>
+              <a:ext cx="1067568" cy="244800"/>
+            </a:xfrm>
+            <a:prstGeom prst="roundRect">
+              <a:avLst>
+                <a:gd name="adj" fmla="val 6940"/>
+              </a:avLst>
+            </a:prstGeom>
+            <a:ln>
+              <a:headEnd type="none" w="med" len="med"/>
+              <a:tailEnd type="none" w="med" len="med"/>
+            </a:ln>
+          </p:spPr>
+          <p:style>
+            <a:lnRef idx="0">
+              <a:schemeClr val="accent4"/>
+            </a:lnRef>
+            <a:fillRef idx="3">
+              <a:schemeClr val="accent4"/>
+            </a:fillRef>
+            <a:effectRef idx="3">
+              <a:schemeClr val="accent4"/>
+            </a:effectRef>
+            <a:fontRef idx="minor">
+              <a:schemeClr val="lt1"/>
+            </a:fontRef>
+          </p:style>
+          <p:txBody>
+            <a:bodyPr rtlCol="0" anchor="ctr"/>
+            <a:lstStyle/>
+            <a:p>
+              <a:pPr algn="ctr"/>
+              <a:endParaRPr lang="ko-KR" altLang="en-US" sz="1600" dirty="0">
+                <a:solidFill>
+                  <a:schemeClr val="tx1"/>
+                </a:solidFill>
+                <a:latin typeface="Times New Roman" panose="02020603050405020304" pitchFamily="18" charset="0"/>
+                <a:cs typeface="Times New Roman" panose="02020603050405020304" pitchFamily="18" charset="0"/>
+              </a:endParaRPr>
+            </a:p>
+          </p:txBody>
+        </p:sp>
+        <p:sp>
+          <p:nvSpPr>
+            <p:cNvPr id="56" name="TextBox 55">
+              <a:extLst>
+                <a:ext uri="{FF2B5EF4-FFF2-40B4-BE49-F238E27FC236}">
+                  <a16:creationId xmlns:a16="http://schemas.microsoft.com/office/drawing/2014/main" id="{601ED29A-CC8B-4F33-9BB6-BEBAEF0BE8C2}"/>
+                </a:ext>
+              </a:extLst>
+            </p:cNvPr>
+            <p:cNvSpPr txBox="1"/>
+            <p:nvPr/>
+          </p:nvSpPr>
+          <p:spPr>
+            <a:xfrm flipH="1">
+              <a:off x="11070846" y="3955192"/>
+              <a:ext cx="860007" cy="400110"/>
+            </a:xfrm>
+            <a:prstGeom prst="rect">
+              <a:avLst/>
+            </a:prstGeom>
+            <a:noFill/>
+          </p:spPr>
+          <p:txBody>
+            <a:bodyPr wrap="square" rtlCol="0">
+              <a:spAutoFit/>
+            </a:bodyPr>
+            <a:lstStyle/>
+            <a:p>
+              <a:r>
+                <a:rPr lang="en-US" altLang="ko-KR" sz="1000" b="1" dirty="0">
+                  <a:latin typeface="Times New Roman" panose="02020603050405020304" pitchFamily="18" charset="0"/>
+                  <a:cs typeface="Times New Roman" panose="02020603050405020304" pitchFamily="18" charset="0"/>
+                </a:rPr>
+                <a:t>Internal Interface</a:t>
+              </a:r>
+              <a:endParaRPr lang="ko-KR" altLang="en-US" sz="1000" b="1" dirty="0">
+                <a:latin typeface="Times New Roman" panose="02020603050405020304" pitchFamily="18" charset="0"/>
+                <a:cs typeface="Times New Roman" panose="02020603050405020304" pitchFamily="18" charset="0"/>
+              </a:endParaRPr>
+            </a:p>
+          </p:txBody>
+        </p:sp>
+      </p:grpSp>
+      <p:sp>
+        <p:nvSpPr>
+          <p:cNvPr id="58" name="사각형: 둥근 모서리 57">
+            <a:extLst>
+              <a:ext uri="{FF2B5EF4-FFF2-40B4-BE49-F238E27FC236}">
+                <a16:creationId xmlns:a16="http://schemas.microsoft.com/office/drawing/2014/main" id="{6F4C8BB5-D5CD-4B66-A2CA-FF64BC149B17}"/>
+              </a:ext>
+            </a:extLst>
+          </p:cNvPr>
+          <p:cNvSpPr/>
+          <p:nvPr/>
+        </p:nvSpPr>
+        <p:spPr>
+          <a:xfrm>
+            <a:off x="-2217805" y="-1223814"/>
+            <a:ext cx="2089149" cy="361760"/>
+          </a:xfrm>
+          <a:prstGeom prst="roundRect">
+            <a:avLst>
+              <a:gd name="adj" fmla="val 6940"/>
+            </a:avLst>
+          </a:prstGeom>
+          <a:ln>
+            <a:prstDash val="solid"/>
+          </a:ln>
+        </p:spPr>
+        <p:style>
+          <a:lnRef idx="1">
+            <a:schemeClr val="accent5"/>
+          </a:lnRef>
+          <a:fillRef idx="2">
+            <a:schemeClr val="accent5"/>
+          </a:fillRef>
+          <a:effectRef idx="1">
+            <a:schemeClr val="accent5"/>
+          </a:effectRef>
+          <a:fontRef idx="minor">
+            <a:schemeClr val="dk1"/>
+          </a:fontRef>
+        </p:style>
+        <p:txBody>
+          <a:bodyPr rtlCol="0" anchor="ctr"/>
+          <a:lstStyle/>
+          <a:p>
+            <a:pPr algn="ctr"/>
+            <a:endParaRPr lang="ko-KR" altLang="en-US" sz="1600" b="1" dirty="0">
+              <a:solidFill>
+                <a:schemeClr val="tx1"/>
+              </a:solidFill>
+              <a:latin typeface="Times New Roman" panose="02020603050405020304" pitchFamily="18" charset="0"/>
+              <a:cs typeface="Times New Roman" panose="02020603050405020304" pitchFamily="18" charset="0"/>
+            </a:endParaRPr>
+          </a:p>
+        </p:txBody>
+      </p:sp>
+      <p:sp>
+        <p:nvSpPr>
+          <p:cNvPr id="60" name="사각형: 둥근 모서리 59">
+            <a:extLst>
+              <a:ext uri="{FF2B5EF4-FFF2-40B4-BE49-F238E27FC236}">
+                <a16:creationId xmlns:a16="http://schemas.microsoft.com/office/drawing/2014/main" id="{B2659621-5405-4ED1-8D81-AEDEC1B2792A}"/>
+              </a:ext>
+            </a:extLst>
+          </p:cNvPr>
+          <p:cNvSpPr/>
+          <p:nvPr/>
+        </p:nvSpPr>
+        <p:spPr>
+          <a:xfrm>
+            <a:off x="-2217805" y="250770"/>
+            <a:ext cx="2089149" cy="361760"/>
+          </a:xfrm>
+          <a:prstGeom prst="roundRect">
+            <a:avLst>
+              <a:gd name="adj" fmla="val 6940"/>
+            </a:avLst>
+          </a:prstGeom>
+          <a:ln>
+            <a:prstDash val="solid"/>
+          </a:ln>
+        </p:spPr>
+        <p:style>
+          <a:lnRef idx="1">
+            <a:schemeClr val="accent6"/>
+          </a:lnRef>
+          <a:fillRef idx="2">
+            <a:schemeClr val="accent6"/>
+          </a:fillRef>
+          <a:effectRef idx="1">
+            <a:schemeClr val="accent6"/>
+          </a:effectRef>
+          <a:fontRef idx="minor">
+            <a:schemeClr val="dk1"/>
+          </a:fontRef>
+        </p:style>
+        <p:txBody>
+          <a:bodyPr rtlCol="0" anchor="ctr"/>
+          <a:lstStyle/>
+          <a:p>
+            <a:pPr algn="ctr"/>
+            <a:endParaRPr lang="ko-KR" altLang="en-US" sz="1600" b="1" dirty="0">
+              <a:solidFill>
+                <a:schemeClr val="tx1"/>
+              </a:solidFill>
+              <a:latin typeface="Times New Roman" panose="02020603050405020304" pitchFamily="18" charset="0"/>
+              <a:cs typeface="Times New Roman" panose="02020603050405020304" pitchFamily="18" charset="0"/>
+            </a:endParaRPr>
+          </a:p>
+        </p:txBody>
+      </p:sp>
+      <p:sp>
+        <p:nvSpPr>
+          <p:cNvPr id="62" name="사각형: 둥근 모서리 61">
+            <a:extLst>
+              <a:ext uri="{FF2B5EF4-FFF2-40B4-BE49-F238E27FC236}">
+                <a16:creationId xmlns:a16="http://schemas.microsoft.com/office/drawing/2014/main" id="{57543EFD-77D9-4515-8BCA-3F7F624F18AB}"/>
+              </a:ext>
+            </a:extLst>
+          </p:cNvPr>
+          <p:cNvSpPr/>
+          <p:nvPr/>
+        </p:nvSpPr>
+        <p:spPr>
+          <a:xfrm>
+            <a:off x="-2217805" y="664434"/>
+            <a:ext cx="2089149" cy="361760"/>
+          </a:xfrm>
+          <a:prstGeom prst="roundRect">
+            <a:avLst>
+              <a:gd name="adj" fmla="val 6940"/>
+            </a:avLst>
+          </a:prstGeom>
+          <a:ln>
+            <a:prstDash val="solid"/>
+          </a:ln>
+        </p:spPr>
+        <p:style>
+          <a:lnRef idx="1">
+            <a:schemeClr val="accent4"/>
+          </a:lnRef>
+          <a:fillRef idx="2">
+            <a:schemeClr val="accent4"/>
+          </a:fillRef>
+          <a:effectRef idx="1">
+            <a:schemeClr val="accent4"/>
+          </a:effectRef>
+          <a:fontRef idx="minor">
+            <a:schemeClr val="dk1"/>
+          </a:fontRef>
+        </p:style>
+        <p:txBody>
+          <a:bodyPr rtlCol="0" anchor="ctr"/>
+          <a:lstStyle/>
+          <a:p>
+            <a:pPr algn="ctr"/>
+            <a:endParaRPr lang="ko-KR" altLang="en-US" sz="1600" b="1" dirty="0">
+              <a:solidFill>
+                <a:schemeClr val="tx1"/>
+              </a:solidFill>
+              <a:latin typeface="Times New Roman" panose="02020603050405020304" pitchFamily="18" charset="0"/>
+              <a:cs typeface="Times New Roman" panose="02020603050405020304" pitchFamily="18" charset="0"/>
+            </a:endParaRPr>
+          </a:p>
+        </p:txBody>
+      </p:sp>
+      <p:sp>
+        <p:nvSpPr>
+          <p:cNvPr id="64" name="사각형: 둥근 모서리 63">
+            <a:extLst>
+              <a:ext uri="{FF2B5EF4-FFF2-40B4-BE49-F238E27FC236}">
+                <a16:creationId xmlns:a16="http://schemas.microsoft.com/office/drawing/2014/main" id="{D908534B-CE0F-453E-932E-33E52091B036}"/>
+              </a:ext>
+            </a:extLst>
+          </p:cNvPr>
+          <p:cNvSpPr/>
+          <p:nvPr/>
+        </p:nvSpPr>
+        <p:spPr>
+          <a:xfrm>
+            <a:off x="-2217805" y="-160440"/>
+            <a:ext cx="2089149" cy="361760"/>
+          </a:xfrm>
+          <a:prstGeom prst="roundRect">
+            <a:avLst>
+              <a:gd name="adj" fmla="val 6940"/>
+            </a:avLst>
+          </a:prstGeom>
+          <a:ln/>
+        </p:spPr>
+        <p:style>
+          <a:lnRef idx="2">
+            <a:schemeClr val="accent5"/>
+          </a:lnRef>
+          <a:fillRef idx="1">
+            <a:schemeClr val="lt1"/>
+          </a:fillRef>
+          <a:effectRef idx="0">
+            <a:schemeClr val="accent5"/>
+          </a:effectRef>
+          <a:fontRef idx="minor">
+            <a:schemeClr val="dk1"/>
+          </a:fontRef>
+        </p:style>
+        <p:txBody>
+          <a:bodyPr rtlCol="0" anchor="ctr"/>
+          <a:lstStyle/>
+          <a:p>
+            <a:pPr algn="ctr"/>
+            <a:endParaRPr lang="ko-KR" altLang="en-US" sz="1600" b="1" dirty="0">
+              <a:solidFill>
+                <a:schemeClr val="tx1"/>
+              </a:solidFill>
+              <a:latin typeface="Times New Roman" panose="02020603050405020304" pitchFamily="18" charset="0"/>
+              <a:cs typeface="Times New Roman" panose="02020603050405020304" pitchFamily="18" charset="0"/>
+            </a:endParaRPr>
+          </a:p>
+        </p:txBody>
+      </p:sp>
+      <p:sp>
+        <p:nvSpPr>
+          <p:cNvPr id="66" name="사각형: 둥근 모서리 65">
+            <a:extLst>
+              <a:ext uri="{FF2B5EF4-FFF2-40B4-BE49-F238E27FC236}">
+                <a16:creationId xmlns:a16="http://schemas.microsoft.com/office/drawing/2014/main" id="{9261AF85-16DB-450F-8172-6CABCFFEF488}"/>
+              </a:ext>
+            </a:extLst>
+          </p:cNvPr>
+          <p:cNvSpPr/>
+          <p:nvPr/>
+        </p:nvSpPr>
+        <p:spPr>
+          <a:xfrm>
+            <a:off x="-2217805" y="1153299"/>
+            <a:ext cx="2089149" cy="361760"/>
+          </a:xfrm>
+          <a:prstGeom prst="roundRect">
+            <a:avLst>
+              <a:gd name="adj" fmla="val 6940"/>
+            </a:avLst>
+          </a:prstGeom>
+          <a:ln>
+            <a:headEnd type="none" w="med" len="med"/>
+            <a:tailEnd type="none" w="med" len="med"/>
+          </a:ln>
+        </p:spPr>
+        <p:style>
+          <a:lnRef idx="2">
+            <a:schemeClr val="accent4"/>
+          </a:lnRef>
+          <a:fillRef idx="1">
+            <a:schemeClr val="lt1"/>
+          </a:fillRef>
+          <a:effectRef idx="0">
+            <a:schemeClr val="accent4"/>
+          </a:effectRef>
+          <a:fontRef idx="minor">
+            <a:schemeClr val="dk1"/>
+          </a:fontRef>
+        </p:style>
+        <p:txBody>
+          <a:bodyPr rtlCol="0" anchor="ctr"/>
+          <a:lstStyle/>
+          <a:p>
+            <a:pPr algn="ctr"/>
+            <a:endParaRPr lang="ko-KR" altLang="en-US" sz="1600" b="1" dirty="0">
+              <a:solidFill>
+                <a:schemeClr val="tx1"/>
+              </a:solidFill>
+              <a:latin typeface="Times New Roman" panose="02020603050405020304" pitchFamily="18" charset="0"/>
+              <a:cs typeface="Times New Roman" panose="02020603050405020304" pitchFamily="18" charset="0"/>
+            </a:endParaRPr>
+          </a:p>
+        </p:txBody>
+      </p:sp>
+      <p:sp>
+        <p:nvSpPr>
+          <p:cNvPr id="68" name="사각형: 둥근 모서리 67">
+            <a:extLst>
+              <a:ext uri="{FF2B5EF4-FFF2-40B4-BE49-F238E27FC236}">
+                <a16:creationId xmlns:a16="http://schemas.microsoft.com/office/drawing/2014/main" id="{DAF6951F-CA41-4AEE-A804-95E2F6E55797}"/>
+              </a:ext>
+            </a:extLst>
+          </p:cNvPr>
+          <p:cNvSpPr/>
+          <p:nvPr/>
+        </p:nvSpPr>
+        <p:spPr>
+          <a:xfrm>
+            <a:off x="-2217805" y="-655222"/>
+            <a:ext cx="2089149" cy="361760"/>
+          </a:xfrm>
+          <a:prstGeom prst="roundRect">
+            <a:avLst>
+              <a:gd name="adj" fmla="val 6940"/>
+            </a:avLst>
+          </a:prstGeom>
+          <a:ln/>
+        </p:spPr>
+        <p:style>
+          <a:lnRef idx="0">
+            <a:schemeClr val="accent5"/>
+          </a:lnRef>
+          <a:fillRef idx="3">
+            <a:schemeClr val="accent5"/>
+          </a:fillRef>
+          <a:effectRef idx="3">
+            <a:schemeClr val="accent5"/>
+          </a:effectRef>
+          <a:fontRef idx="minor">
+            <a:schemeClr val="lt1"/>
+          </a:fontRef>
+        </p:style>
+        <p:txBody>
+          <a:bodyPr rtlCol="0" anchor="ctr"/>
+          <a:lstStyle/>
+          <a:p>
+            <a:pPr algn="ctr"/>
+            <a:endParaRPr lang="ko-KR" altLang="en-US" sz="1600" b="1" dirty="0">
+              <a:solidFill>
+                <a:schemeClr val="bg1"/>
+              </a:solidFill>
+              <a:latin typeface="Times New Roman" panose="02020603050405020304" pitchFamily="18" charset="0"/>
+              <a:cs typeface="Times New Roman" panose="02020603050405020304" pitchFamily="18" charset="0"/>
+            </a:endParaRPr>
+          </a:p>
+        </p:txBody>
+      </p:sp>
+      <p:sp>
+        <p:nvSpPr>
+          <p:cNvPr id="70" name="사각형: 둥근 모서리 69">
+            <a:extLst>
+              <a:ext uri="{FF2B5EF4-FFF2-40B4-BE49-F238E27FC236}">
+                <a16:creationId xmlns:a16="http://schemas.microsoft.com/office/drawing/2014/main" id="{44F8688B-356F-47A0-831F-91AD727A517E}"/>
+              </a:ext>
+            </a:extLst>
+          </p:cNvPr>
+          <p:cNvSpPr/>
+          <p:nvPr/>
+        </p:nvSpPr>
+        <p:spPr>
+          <a:xfrm>
+            <a:off x="-2217805" y="1642162"/>
+            <a:ext cx="2089149" cy="361760"/>
+          </a:xfrm>
+          <a:prstGeom prst="roundRect">
+            <a:avLst>
+              <a:gd name="adj" fmla="val 6940"/>
+            </a:avLst>
+          </a:prstGeom>
+          <a:ln>
+            <a:headEnd type="none" w="med" len="med"/>
+            <a:tailEnd type="none" w="med" len="med"/>
+          </a:ln>
+        </p:spPr>
+        <p:style>
+          <a:lnRef idx="0">
+            <a:schemeClr val="accent4"/>
+          </a:lnRef>
+          <a:fillRef idx="3">
+            <a:schemeClr val="accent4"/>
+          </a:fillRef>
+          <a:effectRef idx="3">
+            <a:schemeClr val="accent4"/>
+          </a:effectRef>
+          <a:fontRef idx="minor">
+            <a:schemeClr val="lt1"/>
+          </a:fontRef>
+        </p:style>
+        <p:txBody>
+          <a:bodyPr rtlCol="0" anchor="ctr"/>
+          <a:lstStyle/>
+          <a:p>
+            <a:pPr algn="ctr"/>
+            <a:endParaRPr lang="ko-KR" altLang="en-US" sz="1600" b="1" dirty="0">
+              <a:solidFill>
+                <a:schemeClr val="bg1"/>
+              </a:solidFill>
+              <a:latin typeface="Times New Roman" panose="02020603050405020304" pitchFamily="18" charset="0"/>
+              <a:cs typeface="Times New Roman" panose="02020603050405020304" pitchFamily="18" charset="0"/>
+            </a:endParaRPr>
+          </a:p>
+        </p:txBody>
+      </p:sp>
+      <p:sp>
+        <p:nvSpPr>
+          <p:cNvPr id="72" name="사각형: 둥근 모서리 71">
+            <a:extLst>
+              <a:ext uri="{FF2B5EF4-FFF2-40B4-BE49-F238E27FC236}">
+                <a16:creationId xmlns:a16="http://schemas.microsoft.com/office/drawing/2014/main" id="{091DC6EC-D72A-4A3E-826A-BD310DFA9D26}"/>
+              </a:ext>
+            </a:extLst>
+          </p:cNvPr>
+          <p:cNvSpPr/>
+          <p:nvPr/>
+        </p:nvSpPr>
+        <p:spPr>
+          <a:xfrm>
+            <a:off x="5570250" y="201320"/>
+            <a:ext cx="2089149" cy="361760"/>
+          </a:xfrm>
+          <a:prstGeom prst="roundRect">
+            <a:avLst>
+              <a:gd name="adj" fmla="val 6940"/>
+            </a:avLst>
+          </a:prstGeom>
+          <a:ln>
+            <a:headEnd type="none" w="med" len="med"/>
+            <a:tailEnd type="none" w="med" len="med"/>
+          </a:ln>
+        </p:spPr>
+        <p:style>
+          <a:lnRef idx="0">
+            <a:schemeClr val="accent4"/>
+          </a:lnRef>
+          <a:fillRef idx="3">
+            <a:schemeClr val="accent4"/>
+          </a:fillRef>
+          <a:effectRef idx="3">
+            <a:schemeClr val="accent4"/>
+          </a:effectRef>
+          <a:fontRef idx="minor">
+            <a:schemeClr val="lt1"/>
+          </a:fontRef>
+        </p:style>
+        <p:txBody>
+          <a:bodyPr rtlCol="0" anchor="ctr"/>
+          <a:lstStyle/>
+          <a:p>
+            <a:pPr algn="ctr"/>
+            <a:r>
+              <a:rPr lang="en-US" altLang="ko-KR" sz="1600" b="1" dirty="0" err="1">
+                <a:solidFill>
+                  <a:schemeClr val="bg1"/>
+                </a:solidFill>
+                <a:latin typeface="Times New Roman" panose="02020603050405020304" pitchFamily="18" charset="0"/>
+                <a:cs typeface="Times New Roman" panose="02020603050405020304" pitchFamily="18" charset="0"/>
+              </a:rPr>
+              <a:t>KoconutYieldable</a:t>
+            </a:r>
+            <a:endParaRPr lang="ko-KR" altLang="en-US" sz="1600" b="1" dirty="0">
+              <a:solidFill>
+                <a:schemeClr val="bg1"/>
+              </a:solidFill>
+              <a:latin typeface="Times New Roman" panose="02020603050405020304" pitchFamily="18" charset="0"/>
+              <a:cs typeface="Times New Roman" panose="02020603050405020304" pitchFamily="18" charset="0"/>
+            </a:endParaRPr>
+          </a:p>
+        </p:txBody>
+      </p:sp>
+      <p:sp>
+        <p:nvSpPr>
+          <p:cNvPr id="74" name="사각형: 둥근 모서리 73">
+            <a:extLst>
+              <a:ext uri="{FF2B5EF4-FFF2-40B4-BE49-F238E27FC236}">
+                <a16:creationId xmlns:a16="http://schemas.microsoft.com/office/drawing/2014/main" id="{82B39BA0-F1A8-47F2-A53D-F5141EA8E7CE}"/>
+              </a:ext>
+            </a:extLst>
+          </p:cNvPr>
+          <p:cNvSpPr/>
+          <p:nvPr/>
+        </p:nvSpPr>
+        <p:spPr>
+          <a:xfrm>
+            <a:off x="5576347" y="1260149"/>
+            <a:ext cx="2089149" cy="361760"/>
+          </a:xfrm>
+          <a:prstGeom prst="roundRect">
+            <a:avLst>
+              <a:gd name="adj" fmla="val 6940"/>
+            </a:avLst>
+          </a:prstGeom>
+          <a:ln/>
+        </p:spPr>
+        <p:style>
+          <a:lnRef idx="1">
+            <a:schemeClr val="accent5"/>
+          </a:lnRef>
+          <a:fillRef idx="2">
+            <a:schemeClr val="accent5"/>
+          </a:fillRef>
+          <a:effectRef idx="1">
+            <a:schemeClr val="accent5"/>
+          </a:effectRef>
+          <a:fontRef idx="minor">
+            <a:schemeClr val="dk1"/>
+          </a:fontRef>
+        </p:style>
+        <p:txBody>
+          <a:bodyPr rtlCol="0" anchor="ctr"/>
+          <a:lstStyle/>
+          <a:p>
+            <a:pPr algn="ctr"/>
+            <a:r>
+              <a:rPr lang="en-US" altLang="ko-KR" sz="1600" b="1" dirty="0" err="1">
+                <a:solidFill>
+                  <a:schemeClr val="tx1"/>
+                </a:solidFill>
+                <a:latin typeface="Times New Roman" panose="02020603050405020304" pitchFamily="18" charset="0"/>
+                <a:cs typeface="Times New Roman" panose="02020603050405020304" pitchFamily="18" charset="0"/>
+              </a:rPr>
+              <a:t>KoconutPrimitive</a:t>
+            </a:r>
+            <a:endParaRPr lang="ko-KR" altLang="en-US" sz="1600" b="1" dirty="0">
+              <a:solidFill>
+                <a:schemeClr val="tx1"/>
+              </a:solidFill>
+              <a:latin typeface="Times New Roman" panose="02020603050405020304" pitchFamily="18" charset="0"/>
+              <a:cs typeface="Times New Roman" panose="02020603050405020304" pitchFamily="18" charset="0"/>
+            </a:endParaRPr>
+          </a:p>
+        </p:txBody>
+      </p:sp>
+      <p:cxnSp>
+        <p:nvCxnSpPr>
+          <p:cNvPr id="77" name="직선 화살표 연결선 76">
+            <a:extLst>
+              <a:ext uri="{FF2B5EF4-FFF2-40B4-BE49-F238E27FC236}">
+                <a16:creationId xmlns:a16="http://schemas.microsoft.com/office/drawing/2014/main" id="{0729594B-D41D-4992-8A65-832B59F52DA9}"/>
+              </a:ext>
+            </a:extLst>
+          </p:cNvPr>
+          <p:cNvCxnSpPr>
+            <a:cxnSpLocks/>
+            <a:stCxn id="74" idx="0"/>
+            <a:endCxn id="72" idx="2"/>
+          </p:cNvCxnSpPr>
+          <p:nvPr/>
+        </p:nvCxnSpPr>
+        <p:spPr>
+          <a:xfrm flipH="1" flipV="1">
+            <a:off x="6614825" y="563080"/>
+            <a:ext cx="6097" cy="697069"/>
+          </a:xfrm>
+          <a:prstGeom prst="straightConnector1">
+            <a:avLst/>
+          </a:prstGeom>
+          <a:ln w="19050">
+            <a:tailEnd type="triangle"/>
+          </a:ln>
+        </p:spPr>
+        <p:style>
+          <a:lnRef idx="1">
+            <a:schemeClr val="accent5"/>
+          </a:lnRef>
+          <a:fillRef idx="0">
+            <a:schemeClr val="accent5"/>
+          </a:fillRef>
+          <a:effectRef idx="0">
+            <a:schemeClr val="accent5"/>
+          </a:effectRef>
+          <a:fontRef idx="minor">
+            <a:schemeClr val="tx1"/>
+          </a:fontRef>
+        </p:style>
+      </p:cxnSp>
+      <p:sp>
+        <p:nvSpPr>
+          <p:cNvPr id="80" name="사각형: 둥근 모서리 79">
+            <a:extLst>
+              <a:ext uri="{FF2B5EF4-FFF2-40B4-BE49-F238E27FC236}">
+                <a16:creationId xmlns:a16="http://schemas.microsoft.com/office/drawing/2014/main" id="{CA9175C5-574A-45D2-B71F-75E482EFC4FA}"/>
+              </a:ext>
+            </a:extLst>
+          </p:cNvPr>
+          <p:cNvSpPr/>
+          <p:nvPr/>
+        </p:nvSpPr>
+        <p:spPr>
+          <a:xfrm>
+            <a:off x="728437" y="2219224"/>
+            <a:ext cx="2089149" cy="361760"/>
+          </a:xfrm>
+          <a:prstGeom prst="roundRect">
+            <a:avLst>
+              <a:gd name="adj" fmla="val 6940"/>
+            </a:avLst>
+          </a:prstGeom>
+          <a:ln/>
+        </p:spPr>
+        <p:style>
+          <a:lnRef idx="1">
+            <a:schemeClr val="accent5"/>
+          </a:lnRef>
+          <a:fillRef idx="2">
+            <a:schemeClr val="accent5"/>
+          </a:fillRef>
+          <a:effectRef idx="1">
+            <a:schemeClr val="accent5"/>
+          </a:effectRef>
+          <a:fontRef idx="minor">
+            <a:schemeClr val="dk1"/>
+          </a:fontRef>
+        </p:style>
+        <p:txBody>
+          <a:bodyPr rtlCol="0" anchor="ctr"/>
+          <a:lstStyle/>
+          <a:p>
+            <a:pPr algn="ctr"/>
+            <a:r>
+              <a:rPr lang="en-US" altLang="ko-KR" sz="1600" b="1" dirty="0" err="1">
+                <a:solidFill>
+                  <a:schemeClr val="tx1"/>
+                </a:solidFill>
+                <a:latin typeface="Times New Roman" panose="02020603050405020304" pitchFamily="18" charset="0"/>
+                <a:cs typeface="Times New Roman" panose="02020603050405020304" pitchFamily="18" charset="0"/>
+              </a:rPr>
+              <a:t>KoconutEntry</a:t>
+            </a:r>
+            <a:endParaRPr lang="ko-KR" altLang="en-US" sz="1600" b="1" dirty="0">
+              <a:solidFill>
+                <a:schemeClr val="tx1"/>
+              </a:solidFill>
+              <a:latin typeface="Times New Roman" panose="02020603050405020304" pitchFamily="18" charset="0"/>
+              <a:cs typeface="Times New Roman" panose="02020603050405020304" pitchFamily="18" charset="0"/>
+            </a:endParaRPr>
+          </a:p>
+        </p:txBody>
+      </p:sp>
+      <p:sp>
+        <p:nvSpPr>
+          <p:cNvPr id="83" name="사각형: 둥근 모서리 82">
+            <a:extLst>
+              <a:ext uri="{FF2B5EF4-FFF2-40B4-BE49-F238E27FC236}">
+                <a16:creationId xmlns:a16="http://schemas.microsoft.com/office/drawing/2014/main" id="{88335F94-08F5-4CB9-AB10-86E16AFF8C77}"/>
+              </a:ext>
+            </a:extLst>
+          </p:cNvPr>
+          <p:cNvSpPr/>
+          <p:nvPr/>
+        </p:nvSpPr>
+        <p:spPr>
+          <a:xfrm>
+            <a:off x="3163202" y="2219224"/>
+            <a:ext cx="2089149" cy="361760"/>
+          </a:xfrm>
+          <a:prstGeom prst="roundRect">
+            <a:avLst>
+              <a:gd name="adj" fmla="val 6940"/>
+            </a:avLst>
+          </a:prstGeom>
+          <a:ln/>
+        </p:spPr>
+        <p:style>
+          <a:lnRef idx="1">
+            <a:schemeClr val="accent5"/>
+          </a:lnRef>
+          <a:fillRef idx="2">
+            <a:schemeClr val="accent5"/>
+          </a:fillRef>
+          <a:effectRef idx="1">
+            <a:schemeClr val="accent5"/>
+          </a:effectRef>
+          <a:fontRef idx="minor">
+            <a:schemeClr val="dk1"/>
+          </a:fontRef>
+        </p:style>
+        <p:txBody>
+          <a:bodyPr rtlCol="0" anchor="ctr"/>
+          <a:lstStyle/>
+          <a:p>
+            <a:pPr algn="ctr"/>
+            <a:r>
+              <a:rPr lang="en-US" altLang="ko-KR" sz="1600" b="1" dirty="0" err="1">
+                <a:solidFill>
+                  <a:schemeClr val="tx1"/>
+                </a:solidFill>
+                <a:latin typeface="Times New Roman" panose="02020603050405020304" pitchFamily="18" charset="0"/>
+                <a:cs typeface="Times New Roman" panose="02020603050405020304" pitchFamily="18" charset="0"/>
+              </a:rPr>
+              <a:t>KoconutPair</a:t>
+            </a:r>
+            <a:endParaRPr lang="ko-KR" altLang="en-US" sz="1600" b="1" dirty="0">
+              <a:solidFill>
+                <a:schemeClr val="tx1"/>
+              </a:solidFill>
+              <a:latin typeface="Times New Roman" panose="02020603050405020304" pitchFamily="18" charset="0"/>
+              <a:cs typeface="Times New Roman" panose="02020603050405020304" pitchFamily="18" charset="0"/>
+            </a:endParaRPr>
+          </a:p>
+        </p:txBody>
+      </p:sp>
+      <p:cxnSp>
+        <p:nvCxnSpPr>
+          <p:cNvPr id="86" name="연결선: 꺾임 85">
+            <a:extLst>
+              <a:ext uri="{FF2B5EF4-FFF2-40B4-BE49-F238E27FC236}">
+                <a16:creationId xmlns:a16="http://schemas.microsoft.com/office/drawing/2014/main" id="{F597FF59-7481-4DA7-91A3-417D98831900}"/>
+              </a:ext>
+            </a:extLst>
+          </p:cNvPr>
+          <p:cNvCxnSpPr>
+            <a:stCxn id="80" idx="0"/>
+            <a:endCxn id="74" idx="1"/>
+          </p:cNvCxnSpPr>
+          <p:nvPr/>
+        </p:nvCxnSpPr>
+        <p:spPr>
+          <a:xfrm rot="5400000" flipH="1" flipV="1">
+            <a:off x="3285582" y="-71540"/>
+            <a:ext cx="778195" cy="3803335"/>
+          </a:xfrm>
+          <a:prstGeom prst="bentConnector2">
+            <a:avLst/>
+          </a:prstGeom>
+          <a:ln>
+            <a:tailEnd type="triangle"/>
+          </a:ln>
+        </p:spPr>
+        <p:style>
+          <a:lnRef idx="3">
+            <a:schemeClr val="accent2"/>
+          </a:lnRef>
+          <a:fillRef idx="0">
+            <a:schemeClr val="accent2"/>
+          </a:fillRef>
+          <a:effectRef idx="2">
+            <a:schemeClr val="accent2"/>
+          </a:effectRef>
+          <a:fontRef idx="minor">
+            <a:schemeClr val="tx1"/>
+          </a:fontRef>
+        </p:style>
+      </p:cxnSp>
+      <p:cxnSp>
+        <p:nvCxnSpPr>
+          <p:cNvPr id="88" name="연결선: 꺾임 87">
+            <a:extLst>
+              <a:ext uri="{FF2B5EF4-FFF2-40B4-BE49-F238E27FC236}">
+                <a16:creationId xmlns:a16="http://schemas.microsoft.com/office/drawing/2014/main" id="{25265CC7-DF18-46F3-8EF5-A5BDA73E9BDB}"/>
+              </a:ext>
+            </a:extLst>
+          </p:cNvPr>
+          <p:cNvCxnSpPr>
+            <a:cxnSpLocks/>
+            <a:stCxn id="83" idx="0"/>
+            <a:endCxn id="74" idx="1"/>
+          </p:cNvCxnSpPr>
+          <p:nvPr/>
+        </p:nvCxnSpPr>
+        <p:spPr>
+          <a:xfrm rot="5400000" flipH="1" flipV="1">
+            <a:off x="4502965" y="1145842"/>
+            <a:ext cx="778195" cy="1368570"/>
+          </a:xfrm>
+          <a:prstGeom prst="bentConnector2">
+            <a:avLst/>
+          </a:prstGeom>
+          <a:ln>
+            <a:tailEnd type="triangle"/>
+          </a:ln>
+        </p:spPr>
+        <p:style>
+          <a:lnRef idx="3">
+            <a:schemeClr val="accent2"/>
+          </a:lnRef>
+          <a:fillRef idx="0">
+            <a:schemeClr val="accent2"/>
+          </a:fillRef>
+          <a:effectRef idx="2">
+            <a:schemeClr val="accent2"/>
+          </a:effectRef>
+          <a:fontRef idx="minor">
+            <a:schemeClr val="tx1"/>
+          </a:fontRef>
+        </p:style>
+      </p:cxnSp>
+      <p:sp>
+        <p:nvSpPr>
+          <p:cNvPr id="92" name="사각형: 둥근 모서리 91">
+            <a:extLst>
+              <a:ext uri="{FF2B5EF4-FFF2-40B4-BE49-F238E27FC236}">
+                <a16:creationId xmlns:a16="http://schemas.microsoft.com/office/drawing/2014/main" id="{05819042-A7E5-4E96-AAE5-5442FFC5DFA2}"/>
+              </a:ext>
+            </a:extLst>
+          </p:cNvPr>
+          <p:cNvSpPr/>
+          <p:nvPr/>
+        </p:nvSpPr>
+        <p:spPr>
+          <a:xfrm>
+            <a:off x="3163202" y="3178299"/>
+            <a:ext cx="2089149" cy="361760"/>
+          </a:xfrm>
+          <a:prstGeom prst="roundRect">
+            <a:avLst>
+              <a:gd name="adj" fmla="val 6940"/>
+            </a:avLst>
+          </a:prstGeom>
+          <a:ln/>
+        </p:spPr>
+        <p:style>
+          <a:lnRef idx="1">
+            <a:schemeClr val="accent5"/>
+          </a:lnRef>
+          <a:fillRef idx="2">
+            <a:schemeClr val="accent5"/>
+          </a:fillRef>
+          <a:effectRef idx="1">
+            <a:schemeClr val="accent5"/>
+          </a:effectRef>
+          <a:fontRef idx="minor">
+            <a:schemeClr val="dk1"/>
+          </a:fontRef>
+        </p:style>
+        <p:txBody>
+          <a:bodyPr rtlCol="0" anchor="ctr"/>
+          <a:lstStyle/>
+          <a:p>
+            <a:pPr algn="ctr"/>
+            <a:r>
+              <a:rPr lang="en-US" altLang="ko-KR" sz="1600" b="1" dirty="0">
+                <a:solidFill>
+                  <a:schemeClr val="tx1"/>
+                </a:solidFill>
+                <a:latin typeface="Times New Roman" panose="02020603050405020304" pitchFamily="18" charset="0"/>
+                <a:cs typeface="Times New Roman" panose="02020603050405020304" pitchFamily="18" charset="0"/>
+              </a:rPr>
+              <a:t>Pair</a:t>
+            </a:r>
+            <a:endParaRPr lang="ko-KR" altLang="en-US" sz="1600" b="1" dirty="0">
+              <a:solidFill>
+                <a:schemeClr val="tx1"/>
+              </a:solidFill>
+              <a:latin typeface="Times New Roman" panose="02020603050405020304" pitchFamily="18" charset="0"/>
+              <a:cs typeface="Times New Roman" panose="02020603050405020304" pitchFamily="18" charset="0"/>
+            </a:endParaRPr>
+          </a:p>
+        </p:txBody>
+      </p:sp>
+      <p:sp>
+        <p:nvSpPr>
+          <p:cNvPr id="96" name="사각형: 둥근 모서리 95">
+            <a:extLst>
+              <a:ext uri="{FF2B5EF4-FFF2-40B4-BE49-F238E27FC236}">
+                <a16:creationId xmlns:a16="http://schemas.microsoft.com/office/drawing/2014/main" id="{845F5F5D-AB92-4FE0-B9EA-BF9A0EE2624F}"/>
+              </a:ext>
+            </a:extLst>
+          </p:cNvPr>
+          <p:cNvSpPr/>
+          <p:nvPr/>
+        </p:nvSpPr>
+        <p:spPr>
+          <a:xfrm>
+            <a:off x="728436" y="3178299"/>
+            <a:ext cx="2089149" cy="361760"/>
+          </a:xfrm>
+          <a:prstGeom prst="roundRect">
+            <a:avLst>
+              <a:gd name="adj" fmla="val 6940"/>
+            </a:avLst>
+          </a:prstGeom>
+          <a:ln/>
+        </p:spPr>
+        <p:style>
+          <a:lnRef idx="1">
+            <a:schemeClr val="accent5"/>
+          </a:lnRef>
+          <a:fillRef idx="2">
+            <a:schemeClr val="accent5"/>
+          </a:fillRef>
+          <a:effectRef idx="1">
+            <a:schemeClr val="accent5"/>
+          </a:effectRef>
+          <a:fontRef idx="minor">
+            <a:schemeClr val="dk1"/>
+          </a:fontRef>
+        </p:style>
+        <p:txBody>
+          <a:bodyPr rtlCol="0" anchor="ctr"/>
+          <a:lstStyle/>
+          <a:p>
+            <a:pPr algn="ctr"/>
+            <a:r>
+              <a:rPr lang="en-US" altLang="ko-KR" sz="1600" b="1" dirty="0">
+                <a:solidFill>
+                  <a:schemeClr val="tx1"/>
+                </a:solidFill>
+                <a:latin typeface="Times New Roman" panose="02020603050405020304" pitchFamily="18" charset="0"/>
+                <a:cs typeface="Times New Roman" panose="02020603050405020304" pitchFamily="18" charset="0"/>
+              </a:rPr>
+              <a:t>Entry</a:t>
+            </a:r>
+            <a:endParaRPr lang="ko-KR" altLang="en-US" sz="1600" b="1" dirty="0">
+              <a:solidFill>
+                <a:schemeClr val="tx1"/>
+              </a:solidFill>
+              <a:latin typeface="Times New Roman" panose="02020603050405020304" pitchFamily="18" charset="0"/>
+              <a:cs typeface="Times New Roman" panose="02020603050405020304" pitchFamily="18" charset="0"/>
+            </a:endParaRPr>
+          </a:p>
+        </p:txBody>
+      </p:sp>
+      <p:cxnSp>
+        <p:nvCxnSpPr>
+          <p:cNvPr id="97" name="직선 화살표 연결선 96">
+            <a:extLst>
+              <a:ext uri="{FF2B5EF4-FFF2-40B4-BE49-F238E27FC236}">
+                <a16:creationId xmlns:a16="http://schemas.microsoft.com/office/drawing/2014/main" id="{79E95EC4-6E86-4C8E-9B9B-28FB7F653F38}"/>
+              </a:ext>
+            </a:extLst>
+          </p:cNvPr>
+          <p:cNvCxnSpPr>
+            <a:cxnSpLocks/>
+            <a:stCxn id="83" idx="2"/>
+            <a:endCxn id="92" idx="0"/>
+          </p:cNvCxnSpPr>
+          <p:nvPr/>
+        </p:nvCxnSpPr>
+        <p:spPr>
+          <a:xfrm>
+            <a:off x="4207777" y="2580984"/>
+            <a:ext cx="0" cy="597315"/>
+          </a:xfrm>
+          <a:prstGeom prst="straightConnector1">
+            <a:avLst/>
+          </a:prstGeom>
+          <a:ln w="19050">
+            <a:prstDash val="sysDot"/>
+            <a:tailEnd type="triangle"/>
+          </a:ln>
+        </p:spPr>
+        <p:style>
+          <a:lnRef idx="1">
+            <a:schemeClr val="accent6"/>
+          </a:lnRef>
+          <a:fillRef idx="0">
+            <a:schemeClr val="accent6"/>
+          </a:fillRef>
+          <a:effectRef idx="0">
+            <a:schemeClr val="accent6"/>
+          </a:effectRef>
+          <a:fontRef idx="minor">
+            <a:schemeClr val="tx1"/>
+          </a:fontRef>
+        </p:style>
+      </p:cxnSp>
+      <p:cxnSp>
+        <p:nvCxnSpPr>
+          <p:cNvPr id="100" name="직선 화살표 연결선 99">
+            <a:extLst>
+              <a:ext uri="{FF2B5EF4-FFF2-40B4-BE49-F238E27FC236}">
+                <a16:creationId xmlns:a16="http://schemas.microsoft.com/office/drawing/2014/main" id="{24140E1E-A9A7-45FC-8539-5C3C1992836D}"/>
+              </a:ext>
+            </a:extLst>
+          </p:cNvPr>
+          <p:cNvCxnSpPr>
+            <a:cxnSpLocks/>
+            <a:stCxn id="80" idx="2"/>
+            <a:endCxn id="96" idx="0"/>
+          </p:cNvCxnSpPr>
+          <p:nvPr/>
+        </p:nvCxnSpPr>
+        <p:spPr>
+          <a:xfrm flipH="1">
+            <a:off x="1773011" y="2580984"/>
+            <a:ext cx="1" cy="597315"/>
+          </a:xfrm>
+          <a:prstGeom prst="straightConnector1">
+            <a:avLst/>
+          </a:prstGeom>
+          <a:ln w="19050">
+            <a:prstDash val="sysDot"/>
+            <a:tailEnd type="triangle"/>
+          </a:ln>
+        </p:spPr>
+        <p:style>
+          <a:lnRef idx="1">
+            <a:schemeClr val="accent6"/>
+          </a:lnRef>
+          <a:fillRef idx="0">
+            <a:schemeClr val="accent6"/>
+          </a:fillRef>
+          <a:effectRef idx="0">
+            <a:schemeClr val="accent6"/>
+          </a:effectRef>
+          <a:fontRef idx="minor">
+            <a:schemeClr val="tx1"/>
+          </a:fontRef>
+        </p:style>
+      </p:cxnSp>
+      <p:sp>
+        <p:nvSpPr>
+          <p:cNvPr id="102" name="사각형: 둥근 모서리 101">
+            <a:extLst>
+              <a:ext uri="{FF2B5EF4-FFF2-40B4-BE49-F238E27FC236}">
+                <a16:creationId xmlns:a16="http://schemas.microsoft.com/office/drawing/2014/main" id="{F6003578-3D56-4D2D-87D6-65BF632C39A3}"/>
+              </a:ext>
+            </a:extLst>
+          </p:cNvPr>
+          <p:cNvSpPr/>
+          <p:nvPr/>
+        </p:nvSpPr>
+        <p:spPr>
+          <a:xfrm>
+            <a:off x="728435" y="4137374"/>
+            <a:ext cx="2089149" cy="361760"/>
+          </a:xfrm>
+          <a:prstGeom prst="roundRect">
+            <a:avLst>
+              <a:gd name="adj" fmla="val 6940"/>
+            </a:avLst>
+          </a:prstGeom>
+          <a:ln>
+            <a:prstDash val="solid"/>
+          </a:ln>
+        </p:spPr>
+        <p:style>
+          <a:lnRef idx="1">
+            <a:schemeClr val="accent4"/>
+          </a:lnRef>
+          <a:fillRef idx="2">
+            <a:schemeClr val="accent4"/>
+          </a:fillRef>
+          <a:effectRef idx="1">
+            <a:schemeClr val="accent4"/>
+          </a:effectRef>
+          <a:fontRef idx="minor">
+            <a:schemeClr val="dk1"/>
+          </a:fontRef>
+        </p:style>
+        <p:txBody>
+          <a:bodyPr rtlCol="0" anchor="ctr"/>
+          <a:lstStyle/>
+          <a:p>
+            <a:pPr algn="ctr"/>
+            <a:r>
+              <a:rPr lang="en-US" altLang="ko-KR" sz="1600" b="1" dirty="0" err="1">
+                <a:solidFill>
+                  <a:schemeClr val="tx1"/>
+                </a:solidFill>
+                <a:latin typeface="Times New Roman" panose="02020603050405020304" pitchFamily="18" charset="0"/>
+                <a:cs typeface="Times New Roman" panose="02020603050405020304" pitchFamily="18" charset="0"/>
+              </a:rPr>
+              <a:t>KoconutEquatable</a:t>
+            </a:r>
+            <a:endParaRPr lang="ko-KR" altLang="en-US" sz="1600" b="1" dirty="0">
+              <a:solidFill>
+                <a:schemeClr val="tx1"/>
+              </a:solidFill>
+              <a:latin typeface="Times New Roman" panose="02020603050405020304" pitchFamily="18" charset="0"/>
+              <a:cs typeface="Times New Roman" panose="02020603050405020304" pitchFamily="18" charset="0"/>
+            </a:endParaRPr>
+          </a:p>
+        </p:txBody>
+      </p:sp>
+      <p:cxnSp>
+        <p:nvCxnSpPr>
+          <p:cNvPr id="105" name="연결선: 꺾임 104">
+            <a:extLst>
+              <a:ext uri="{FF2B5EF4-FFF2-40B4-BE49-F238E27FC236}">
+                <a16:creationId xmlns:a16="http://schemas.microsoft.com/office/drawing/2014/main" id="{AF06624A-CB0C-493F-ABA9-80985B82485E}"/>
+              </a:ext>
+            </a:extLst>
+          </p:cNvPr>
+          <p:cNvCxnSpPr>
+            <a:cxnSpLocks/>
+            <a:stCxn id="80" idx="1"/>
+            <a:endCxn id="102" idx="1"/>
+          </p:cNvCxnSpPr>
+          <p:nvPr/>
+        </p:nvCxnSpPr>
+        <p:spPr>
+          <a:xfrm rot="10800000" flipV="1">
+            <a:off x="728435" y="2400104"/>
+            <a:ext cx="2" cy="1918150"/>
+          </a:xfrm>
+          <a:prstGeom prst="bentConnector3">
+            <a:avLst>
+              <a:gd name="adj1" fmla="val 11430100000"/>
+            </a:avLst>
+          </a:prstGeom>
+          <a:ln w="19050">
+            <a:tailEnd type="triangle"/>
+          </a:ln>
+        </p:spPr>
+        <p:style>
+          <a:lnRef idx="3">
+            <a:schemeClr val="accent5"/>
+          </a:lnRef>
+          <a:fillRef idx="0">
+            <a:schemeClr val="accent5"/>
+          </a:fillRef>
+          <a:effectRef idx="2">
+            <a:schemeClr val="accent5"/>
+          </a:effectRef>
+          <a:fontRef idx="minor">
+            <a:schemeClr val="tx1"/>
+          </a:fontRef>
+        </p:style>
+      </p:cxnSp>
+      <p:cxnSp>
+        <p:nvCxnSpPr>
+          <p:cNvPr id="112" name="연결선: 꺾임 111">
+            <a:extLst>
+              <a:ext uri="{FF2B5EF4-FFF2-40B4-BE49-F238E27FC236}">
+                <a16:creationId xmlns:a16="http://schemas.microsoft.com/office/drawing/2014/main" id="{68E38B20-186C-4F82-A893-2218EA4EEF85}"/>
+              </a:ext>
+            </a:extLst>
+          </p:cNvPr>
+          <p:cNvCxnSpPr>
+            <a:cxnSpLocks/>
+            <a:stCxn id="83" idx="1"/>
+            <a:endCxn id="102" idx="3"/>
+          </p:cNvCxnSpPr>
+          <p:nvPr/>
+        </p:nvCxnSpPr>
+        <p:spPr>
+          <a:xfrm rot="10800000" flipV="1">
+            <a:off x="2817584" y="2400104"/>
+            <a:ext cx="345618" cy="1918150"/>
+          </a:xfrm>
+          <a:prstGeom prst="bentConnector3">
+            <a:avLst>
+              <a:gd name="adj1" fmla="val 50000"/>
+            </a:avLst>
+          </a:prstGeom>
+          <a:ln w="19050">
+            <a:tailEnd type="triangle"/>
+          </a:ln>
+        </p:spPr>
+        <p:style>
+          <a:lnRef idx="3">
+            <a:schemeClr val="accent5"/>
+          </a:lnRef>
+          <a:fillRef idx="0">
+            <a:schemeClr val="accent5"/>
+          </a:fillRef>
+          <a:effectRef idx="2">
+            <a:schemeClr val="accent5"/>
+          </a:effectRef>
+          <a:fontRef idx="minor">
+            <a:schemeClr val="tx1"/>
+          </a:fontRef>
+        </p:style>
+      </p:cxnSp>
+      <p:cxnSp>
+        <p:nvCxnSpPr>
+          <p:cNvPr id="128" name="연결선: 꺾임 127">
+            <a:extLst>
+              <a:ext uri="{FF2B5EF4-FFF2-40B4-BE49-F238E27FC236}">
+                <a16:creationId xmlns:a16="http://schemas.microsoft.com/office/drawing/2014/main" id="{F503FEAF-267E-4C44-A93F-15BB07A63F48}"/>
+              </a:ext>
+            </a:extLst>
+          </p:cNvPr>
+          <p:cNvCxnSpPr>
+            <a:cxnSpLocks/>
+            <a:stCxn id="92" idx="2"/>
+            <a:endCxn id="102" idx="3"/>
+          </p:cNvCxnSpPr>
+          <p:nvPr/>
+        </p:nvCxnSpPr>
+        <p:spPr>
+          <a:xfrm rot="5400000">
+            <a:off x="3123584" y="3234060"/>
+            <a:ext cx="778195" cy="1390193"/>
+          </a:xfrm>
+          <a:prstGeom prst="bentConnector2">
+            <a:avLst/>
+          </a:prstGeom>
+          <a:ln w="19050">
+            <a:tailEnd type="triangle"/>
+          </a:ln>
+        </p:spPr>
+        <p:style>
+          <a:lnRef idx="3">
+            <a:schemeClr val="accent5"/>
+          </a:lnRef>
+          <a:fillRef idx="0">
+            <a:schemeClr val="accent5"/>
+          </a:fillRef>
+          <a:effectRef idx="2">
+            <a:schemeClr val="accent5"/>
+          </a:effectRef>
+          <a:fontRef idx="minor">
+            <a:schemeClr val="tx1"/>
+          </a:fontRef>
+        </p:style>
+      </p:cxnSp>
+      <p:cxnSp>
+        <p:nvCxnSpPr>
+          <p:cNvPr id="131" name="직선 화살표 연결선 130">
+            <a:extLst>
+              <a:ext uri="{FF2B5EF4-FFF2-40B4-BE49-F238E27FC236}">
+                <a16:creationId xmlns:a16="http://schemas.microsoft.com/office/drawing/2014/main" id="{FC41080E-7D4F-4138-881D-7DFDDF2178B9}"/>
+              </a:ext>
+            </a:extLst>
+          </p:cNvPr>
+          <p:cNvCxnSpPr>
+            <a:cxnSpLocks/>
+            <a:stCxn id="96" idx="2"/>
+            <a:endCxn id="102" idx="0"/>
+          </p:cNvCxnSpPr>
+          <p:nvPr/>
+        </p:nvCxnSpPr>
+        <p:spPr>
+          <a:xfrm flipH="1">
+            <a:off x="1773010" y="3540059"/>
+            <a:ext cx="1" cy="597315"/>
+          </a:xfrm>
+          <a:prstGeom prst="straightConnector1">
+            <a:avLst/>
+          </a:prstGeom>
+          <a:ln w="19050">
+            <a:tailEnd type="triangle"/>
+          </a:ln>
+        </p:spPr>
+        <p:style>
+          <a:lnRef idx="1">
+            <a:schemeClr val="accent5"/>
+          </a:lnRef>
+          <a:fillRef idx="0">
+            <a:schemeClr val="accent5"/>
+          </a:fillRef>
+          <a:effectRef idx="0">
+            <a:schemeClr val="accent5"/>
+          </a:effectRef>
+          <a:fontRef idx="minor">
+            <a:schemeClr val="tx1"/>
+          </a:fontRef>
+        </p:style>
+      </p:cxnSp>
+      <p:sp>
+        <p:nvSpPr>
+          <p:cNvPr id="1028" name="사각형: 둥근 모서리 1027">
+            <a:extLst>
+              <a:ext uri="{FF2B5EF4-FFF2-40B4-BE49-F238E27FC236}">
+                <a16:creationId xmlns:a16="http://schemas.microsoft.com/office/drawing/2014/main" id="{E5DB11F1-4409-4332-A4A8-5BE1C9479929}"/>
+              </a:ext>
+            </a:extLst>
+          </p:cNvPr>
+          <p:cNvSpPr/>
+          <p:nvPr/>
+        </p:nvSpPr>
+        <p:spPr>
+          <a:xfrm>
+            <a:off x="5576347" y="2167318"/>
+            <a:ext cx="2089149" cy="361760"/>
+          </a:xfrm>
+          <a:prstGeom prst="roundRect">
+            <a:avLst>
+              <a:gd name="adj" fmla="val 6940"/>
+            </a:avLst>
+          </a:prstGeom>
+          <a:ln>
+            <a:headEnd type="none" w="med" len="med"/>
+            <a:tailEnd type="none" w="med" len="med"/>
+          </a:ln>
+        </p:spPr>
+        <p:style>
+          <a:lnRef idx="0">
+            <a:schemeClr val="accent4"/>
+          </a:lnRef>
+          <a:fillRef idx="3">
+            <a:schemeClr val="accent4"/>
+          </a:fillRef>
+          <a:effectRef idx="3">
+            <a:schemeClr val="accent4"/>
+          </a:effectRef>
+          <a:fontRef idx="minor">
+            <a:schemeClr val="lt1"/>
+          </a:fontRef>
+        </p:style>
+        <p:txBody>
+          <a:bodyPr rtlCol="0" anchor="ctr"/>
+          <a:lstStyle/>
+          <a:p>
+            <a:pPr algn="ctr"/>
+            <a:r>
+              <a:rPr lang="en-US" altLang="ko-KR" sz="1600" b="1" dirty="0" err="1">
+                <a:solidFill>
+                  <a:schemeClr val="bg1"/>
+                </a:solidFill>
+                <a:latin typeface="Times New Roman" panose="02020603050405020304" pitchFamily="18" charset="0"/>
+                <a:cs typeface="Times New Roman" panose="02020603050405020304" pitchFamily="18" charset="0"/>
+              </a:rPr>
+              <a:t>KoconutIterable</a:t>
+            </a:r>
+            <a:endParaRPr lang="ko-KR" altLang="en-US" sz="1600" b="1" dirty="0">
+              <a:solidFill>
+                <a:schemeClr val="bg1"/>
+              </a:solidFill>
+              <a:latin typeface="Times New Roman" panose="02020603050405020304" pitchFamily="18" charset="0"/>
+              <a:cs typeface="Times New Roman" panose="02020603050405020304" pitchFamily="18" charset="0"/>
+            </a:endParaRPr>
+          </a:p>
+        </p:txBody>
+      </p:sp>
+      <p:cxnSp>
+        <p:nvCxnSpPr>
+          <p:cNvPr id="136" name="직선 화살표 연결선 135">
+            <a:extLst>
+              <a:ext uri="{FF2B5EF4-FFF2-40B4-BE49-F238E27FC236}">
+                <a16:creationId xmlns:a16="http://schemas.microsoft.com/office/drawing/2014/main" id="{FB9BFBCC-2212-4DC1-B22A-9D11EB9D8E44}"/>
+              </a:ext>
+            </a:extLst>
+          </p:cNvPr>
+          <p:cNvCxnSpPr>
+            <a:cxnSpLocks/>
+            <a:stCxn id="1028" idx="0"/>
+            <a:endCxn id="74" idx="2"/>
+          </p:cNvCxnSpPr>
+          <p:nvPr/>
+        </p:nvCxnSpPr>
+        <p:spPr>
+          <a:xfrm flipV="1">
+            <a:off x="6620922" y="1621909"/>
+            <a:ext cx="0" cy="545409"/>
+          </a:xfrm>
+          <a:prstGeom prst="straightConnector1">
+            <a:avLst/>
+          </a:prstGeom>
+          <a:ln w="19050">
+            <a:tailEnd type="triangle"/>
+          </a:ln>
+        </p:spPr>
+        <p:style>
+          <a:lnRef idx="1">
+            <a:schemeClr val="accent2"/>
+          </a:lnRef>
+          <a:fillRef idx="0">
+            <a:schemeClr val="accent2"/>
+          </a:fillRef>
+          <a:effectRef idx="0">
+            <a:schemeClr val="accent2"/>
+          </a:effectRef>
+          <a:fontRef idx="minor">
+            <a:schemeClr val="tx1"/>
+          </a:fontRef>
+        </p:style>
+      </p:cxnSp>
+      <p:sp>
+        <p:nvSpPr>
+          <p:cNvPr id="1034" name="사각형: 둥근 모서리 1033">
+            <a:extLst>
+              <a:ext uri="{FF2B5EF4-FFF2-40B4-BE49-F238E27FC236}">
+                <a16:creationId xmlns:a16="http://schemas.microsoft.com/office/drawing/2014/main" id="{DC9CBC99-3BFA-4345-B866-FE0D9361AE60}"/>
+              </a:ext>
+            </a:extLst>
+          </p:cNvPr>
+          <p:cNvSpPr/>
+          <p:nvPr/>
+        </p:nvSpPr>
+        <p:spPr>
+          <a:xfrm>
+            <a:off x="5586435" y="3178298"/>
+            <a:ext cx="2089149" cy="361760"/>
+          </a:xfrm>
+          <a:prstGeom prst="roundRect">
+            <a:avLst>
+              <a:gd name="adj" fmla="val 6940"/>
+            </a:avLst>
+          </a:prstGeom>
+          <a:ln/>
+        </p:spPr>
+        <p:style>
+          <a:lnRef idx="0">
+            <a:schemeClr val="accent5"/>
+          </a:lnRef>
+          <a:fillRef idx="3">
+            <a:schemeClr val="accent5"/>
+          </a:fillRef>
+          <a:effectRef idx="3">
+            <a:schemeClr val="accent5"/>
+          </a:effectRef>
+          <a:fontRef idx="minor">
+            <a:schemeClr val="lt1"/>
+          </a:fontRef>
+        </p:style>
+        <p:txBody>
+          <a:bodyPr rtlCol="0" anchor="ctr"/>
+          <a:lstStyle/>
+          <a:p>
+            <a:pPr algn="ctr"/>
+            <a:r>
+              <a:rPr lang="en-US" altLang="ko-KR" sz="1600" b="1" dirty="0" err="1">
+                <a:solidFill>
+                  <a:schemeClr val="bg1"/>
+                </a:solidFill>
+                <a:latin typeface="Times New Roman" panose="02020603050405020304" pitchFamily="18" charset="0"/>
+                <a:cs typeface="Times New Roman" panose="02020603050405020304" pitchFamily="18" charset="0"/>
+              </a:rPr>
+              <a:t>KoconutCollection</a:t>
+            </a:r>
+            <a:endParaRPr lang="ko-KR" altLang="en-US" sz="1600" b="1" dirty="0">
+              <a:solidFill>
+                <a:schemeClr val="bg1"/>
+              </a:solidFill>
+              <a:latin typeface="Times New Roman" panose="02020603050405020304" pitchFamily="18" charset="0"/>
+              <a:cs typeface="Times New Roman" panose="02020603050405020304" pitchFamily="18" charset="0"/>
+            </a:endParaRPr>
+          </a:p>
+        </p:txBody>
+      </p:sp>
+      <p:sp>
+        <p:nvSpPr>
+          <p:cNvPr id="147" name="사각형: 둥근 모서리 146">
+            <a:extLst>
+              <a:ext uri="{FF2B5EF4-FFF2-40B4-BE49-F238E27FC236}">
+                <a16:creationId xmlns:a16="http://schemas.microsoft.com/office/drawing/2014/main" id="{F25E8288-6162-44CD-9822-3C87C493348F}"/>
+              </a:ext>
+            </a:extLst>
+          </p:cNvPr>
+          <p:cNvSpPr/>
+          <p:nvPr/>
+        </p:nvSpPr>
+        <p:spPr>
+          <a:xfrm>
+            <a:off x="7992989" y="5096033"/>
+            <a:ext cx="2089149" cy="361760"/>
+          </a:xfrm>
+          <a:prstGeom prst="roundRect">
+            <a:avLst>
+              <a:gd name="adj" fmla="val 6940"/>
+            </a:avLst>
+          </a:prstGeom>
+          <a:ln/>
+        </p:spPr>
+        <p:style>
+          <a:lnRef idx="1">
+            <a:schemeClr val="accent5"/>
+          </a:lnRef>
+          <a:fillRef idx="2">
+            <a:schemeClr val="accent5"/>
+          </a:fillRef>
+          <a:effectRef idx="1">
+            <a:schemeClr val="accent5"/>
+          </a:effectRef>
+          <a:fontRef idx="minor">
+            <a:schemeClr val="dk1"/>
+          </a:fontRef>
+        </p:style>
+        <p:txBody>
+          <a:bodyPr rtlCol="0" anchor="ctr"/>
+          <a:lstStyle/>
+          <a:p>
+            <a:pPr algn="ctr"/>
+            <a:r>
+              <a:rPr lang="en-US" altLang="ko-KR" sz="1600" b="1" dirty="0" err="1">
+                <a:solidFill>
+                  <a:schemeClr val="tx1"/>
+                </a:solidFill>
+                <a:latin typeface="Times New Roman" panose="02020603050405020304" pitchFamily="18" charset="0"/>
+                <a:cs typeface="Times New Roman" panose="02020603050405020304" pitchFamily="18" charset="0"/>
+              </a:rPr>
+              <a:t>KoconutMap</a:t>
+            </a:r>
+            <a:endParaRPr lang="ko-KR" altLang="en-US" sz="1600" b="1" dirty="0">
+              <a:solidFill>
+                <a:schemeClr val="tx1"/>
+              </a:solidFill>
+              <a:latin typeface="Times New Roman" panose="02020603050405020304" pitchFamily="18" charset="0"/>
+              <a:cs typeface="Times New Roman" panose="02020603050405020304" pitchFamily="18" charset="0"/>
+            </a:endParaRPr>
+          </a:p>
+        </p:txBody>
+      </p:sp>
+      <p:cxnSp>
+        <p:nvCxnSpPr>
+          <p:cNvPr id="148" name="직선 화살표 연결선 147">
+            <a:extLst>
+              <a:ext uri="{FF2B5EF4-FFF2-40B4-BE49-F238E27FC236}">
+                <a16:creationId xmlns:a16="http://schemas.microsoft.com/office/drawing/2014/main" id="{D812F85C-D8E8-436C-BB84-788675B256AA}"/>
+              </a:ext>
+            </a:extLst>
+          </p:cNvPr>
+          <p:cNvCxnSpPr>
+            <a:cxnSpLocks/>
+            <a:stCxn id="1034" idx="0"/>
+            <a:endCxn id="1028" idx="2"/>
+          </p:cNvCxnSpPr>
+          <p:nvPr/>
+        </p:nvCxnSpPr>
+        <p:spPr>
+          <a:xfrm flipH="1" flipV="1">
+            <a:off x="6620922" y="2529078"/>
+            <a:ext cx="10088" cy="649220"/>
+          </a:xfrm>
+          <a:prstGeom prst="straightConnector1">
+            <a:avLst/>
+          </a:prstGeom>
+          <a:ln w="19050">
+            <a:tailEnd type="triangle"/>
+          </a:ln>
+        </p:spPr>
+        <p:style>
+          <a:lnRef idx="1">
+            <a:schemeClr val="accent5"/>
+          </a:lnRef>
+          <a:fillRef idx="0">
+            <a:schemeClr val="accent5"/>
+          </a:fillRef>
+          <a:effectRef idx="0">
+            <a:schemeClr val="accent5"/>
+          </a:effectRef>
+          <a:fontRef idx="minor">
+            <a:schemeClr val="tx1"/>
+          </a:fontRef>
+        </p:style>
+      </p:cxnSp>
+      <p:cxnSp>
+        <p:nvCxnSpPr>
+          <p:cNvPr id="152" name="연결선: 꺾임 151">
+            <a:extLst>
+              <a:ext uri="{FF2B5EF4-FFF2-40B4-BE49-F238E27FC236}">
+                <a16:creationId xmlns:a16="http://schemas.microsoft.com/office/drawing/2014/main" id="{F7881627-DF4C-4FFD-8738-8B30E1DFA91F}"/>
+              </a:ext>
+            </a:extLst>
+          </p:cNvPr>
+          <p:cNvCxnSpPr>
+            <a:cxnSpLocks/>
+            <a:stCxn id="147" idx="0"/>
+            <a:endCxn id="1028" idx="3"/>
+          </p:cNvCxnSpPr>
+          <p:nvPr/>
+        </p:nvCxnSpPr>
+        <p:spPr>
+          <a:xfrm rot="16200000" flipV="1">
+            <a:off x="6977613" y="3036082"/>
+            <a:ext cx="2747835" cy="1372068"/>
+          </a:xfrm>
+          <a:prstGeom prst="bentConnector2">
+            <a:avLst/>
+          </a:prstGeom>
+          <a:ln w="19050">
+            <a:tailEnd type="triangle"/>
+          </a:ln>
+        </p:spPr>
+        <p:style>
+          <a:lnRef idx="3">
+            <a:schemeClr val="accent5"/>
+          </a:lnRef>
+          <a:fillRef idx="0">
+            <a:schemeClr val="accent5"/>
+          </a:fillRef>
+          <a:effectRef idx="2">
+            <a:schemeClr val="accent5"/>
+          </a:effectRef>
+          <a:fontRef idx="minor">
+            <a:schemeClr val="tx1"/>
+          </a:fontRef>
+        </p:style>
+      </p:cxnSp>
+      <p:sp>
+        <p:nvSpPr>
+          <p:cNvPr id="157" name="사각형: 둥근 모서리 156">
+            <a:extLst>
+              <a:ext uri="{FF2B5EF4-FFF2-40B4-BE49-F238E27FC236}">
+                <a16:creationId xmlns:a16="http://schemas.microsoft.com/office/drawing/2014/main" id="{056F58F7-9B7F-411A-87BB-5DF8AFF914A8}"/>
+              </a:ext>
+            </a:extLst>
+          </p:cNvPr>
+          <p:cNvSpPr/>
+          <p:nvPr/>
+        </p:nvSpPr>
+        <p:spPr>
+          <a:xfrm>
+            <a:off x="3163202" y="5096448"/>
+            <a:ext cx="2089149" cy="361760"/>
+          </a:xfrm>
+          <a:prstGeom prst="roundRect">
+            <a:avLst>
+              <a:gd name="adj" fmla="val 6940"/>
+            </a:avLst>
+          </a:prstGeom>
+          <a:ln/>
+        </p:spPr>
+        <p:style>
+          <a:lnRef idx="1">
+            <a:schemeClr val="accent5"/>
+          </a:lnRef>
+          <a:fillRef idx="2">
+            <a:schemeClr val="accent5"/>
+          </a:fillRef>
+          <a:effectRef idx="1">
+            <a:schemeClr val="accent5"/>
+          </a:effectRef>
+          <a:fontRef idx="minor">
+            <a:schemeClr val="dk1"/>
+          </a:fontRef>
+        </p:style>
+        <p:txBody>
+          <a:bodyPr rtlCol="0" anchor="ctr"/>
+          <a:lstStyle/>
+          <a:p>
+            <a:pPr algn="ctr"/>
+            <a:r>
+              <a:rPr lang="en-US" altLang="ko-KR" sz="1600" b="1" dirty="0" err="1">
+                <a:solidFill>
+                  <a:schemeClr val="tx1"/>
+                </a:solidFill>
+                <a:latin typeface="Times New Roman" panose="02020603050405020304" pitchFamily="18" charset="0"/>
+                <a:cs typeface="Times New Roman" panose="02020603050405020304" pitchFamily="18" charset="0"/>
+              </a:rPr>
+              <a:t>KoconutArray</a:t>
+            </a:r>
+            <a:endParaRPr lang="ko-KR" altLang="en-US" sz="1600" b="1" dirty="0">
+              <a:solidFill>
+                <a:schemeClr val="tx1"/>
+              </a:solidFill>
+              <a:latin typeface="Times New Roman" panose="02020603050405020304" pitchFamily="18" charset="0"/>
+              <a:cs typeface="Times New Roman" panose="02020603050405020304" pitchFamily="18" charset="0"/>
+            </a:endParaRPr>
+          </a:p>
+        </p:txBody>
+      </p:sp>
+      <p:sp>
+        <p:nvSpPr>
+          <p:cNvPr id="158" name="사각형: 둥근 모서리 157">
+            <a:extLst>
+              <a:ext uri="{FF2B5EF4-FFF2-40B4-BE49-F238E27FC236}">
+                <a16:creationId xmlns:a16="http://schemas.microsoft.com/office/drawing/2014/main" id="{ECE4325D-5D6E-4536-B9FF-10140CAE2927}"/>
+              </a:ext>
+            </a:extLst>
+          </p:cNvPr>
+          <p:cNvSpPr/>
+          <p:nvPr/>
+        </p:nvSpPr>
+        <p:spPr>
+          <a:xfrm>
+            <a:off x="5578096" y="5096448"/>
+            <a:ext cx="2089149" cy="361760"/>
+          </a:xfrm>
+          <a:prstGeom prst="roundRect">
+            <a:avLst>
+              <a:gd name="adj" fmla="val 6940"/>
+            </a:avLst>
+          </a:prstGeom>
+          <a:ln/>
+        </p:spPr>
+        <p:style>
+          <a:lnRef idx="1">
+            <a:schemeClr val="accent5"/>
+          </a:lnRef>
+          <a:fillRef idx="2">
+            <a:schemeClr val="accent5"/>
+          </a:fillRef>
+          <a:effectRef idx="1">
+            <a:schemeClr val="accent5"/>
+          </a:effectRef>
+          <a:fontRef idx="minor">
+            <a:schemeClr val="dk1"/>
+          </a:fontRef>
+        </p:style>
+        <p:txBody>
+          <a:bodyPr rtlCol="0" anchor="ctr"/>
+          <a:lstStyle/>
+          <a:p>
+            <a:pPr algn="ctr"/>
+            <a:r>
+              <a:rPr lang="en-US" altLang="ko-KR" sz="1600" b="1" dirty="0" err="1">
+                <a:solidFill>
+                  <a:schemeClr val="tx1"/>
+                </a:solidFill>
+                <a:latin typeface="Times New Roman" panose="02020603050405020304" pitchFamily="18" charset="0"/>
+                <a:cs typeface="Times New Roman" panose="02020603050405020304" pitchFamily="18" charset="0"/>
+              </a:rPr>
+              <a:t>KoconutSet</a:t>
+            </a:r>
+            <a:endParaRPr lang="ko-KR" altLang="en-US" sz="1600" b="1" dirty="0">
+              <a:solidFill>
+                <a:schemeClr val="tx1"/>
+              </a:solidFill>
+              <a:latin typeface="Times New Roman" panose="02020603050405020304" pitchFamily="18" charset="0"/>
+              <a:cs typeface="Times New Roman" panose="02020603050405020304" pitchFamily="18" charset="0"/>
+            </a:endParaRPr>
+          </a:p>
+        </p:txBody>
+      </p:sp>
+      <p:cxnSp>
+        <p:nvCxnSpPr>
+          <p:cNvPr id="159" name="연결선: 꺾임 158">
+            <a:extLst>
+              <a:ext uri="{FF2B5EF4-FFF2-40B4-BE49-F238E27FC236}">
+                <a16:creationId xmlns:a16="http://schemas.microsoft.com/office/drawing/2014/main" id="{246EB0AA-F8C2-4CBD-B619-06964C9B0368}"/>
+              </a:ext>
+            </a:extLst>
+          </p:cNvPr>
+          <p:cNvCxnSpPr>
+            <a:cxnSpLocks/>
+            <a:stCxn id="157" idx="0"/>
+            <a:endCxn id="1034" idx="2"/>
+          </p:cNvCxnSpPr>
+          <p:nvPr/>
+        </p:nvCxnSpPr>
+        <p:spPr>
+          <a:xfrm rot="5400000" flipH="1" flipV="1">
+            <a:off x="4641198" y="3106637"/>
+            <a:ext cx="1556390" cy="2423233"/>
+          </a:xfrm>
+          <a:prstGeom prst="bentConnector3">
+            <a:avLst>
+              <a:gd name="adj1" fmla="val 42656"/>
+            </a:avLst>
+          </a:prstGeom>
+          <a:ln>
+            <a:tailEnd type="triangle"/>
+          </a:ln>
+        </p:spPr>
+        <p:style>
+          <a:lnRef idx="3">
+            <a:schemeClr val="accent2"/>
+          </a:lnRef>
+          <a:fillRef idx="0">
+            <a:schemeClr val="accent2"/>
+          </a:fillRef>
+          <a:effectRef idx="2">
+            <a:schemeClr val="accent2"/>
+          </a:effectRef>
+          <a:fontRef idx="minor">
+            <a:schemeClr val="tx1"/>
+          </a:fontRef>
+        </p:style>
+      </p:cxnSp>
+      <p:cxnSp>
+        <p:nvCxnSpPr>
+          <p:cNvPr id="164" name="직선 화살표 연결선 163">
+            <a:extLst>
+              <a:ext uri="{FF2B5EF4-FFF2-40B4-BE49-F238E27FC236}">
+                <a16:creationId xmlns:a16="http://schemas.microsoft.com/office/drawing/2014/main" id="{6B4519D2-29A5-437D-A3DA-C0D6E8E4C553}"/>
+              </a:ext>
+            </a:extLst>
+          </p:cNvPr>
+          <p:cNvCxnSpPr>
+            <a:cxnSpLocks/>
+            <a:stCxn id="158" idx="0"/>
+            <a:endCxn id="1034" idx="2"/>
+          </p:cNvCxnSpPr>
+          <p:nvPr/>
+        </p:nvCxnSpPr>
+        <p:spPr>
+          <a:xfrm flipV="1">
+            <a:off x="6622671" y="3540058"/>
+            <a:ext cx="8339" cy="1556390"/>
+          </a:xfrm>
+          <a:prstGeom prst="straightConnector1">
+            <a:avLst/>
+          </a:prstGeom>
+          <a:ln w="19050">
+            <a:tailEnd type="triangle"/>
+          </a:ln>
+        </p:spPr>
+        <p:style>
+          <a:lnRef idx="1">
+            <a:schemeClr val="accent2"/>
+          </a:lnRef>
+          <a:fillRef idx="0">
+            <a:schemeClr val="accent2"/>
+          </a:fillRef>
+          <a:effectRef idx="0">
+            <a:schemeClr val="accent2"/>
+          </a:effectRef>
+          <a:fontRef idx="minor">
+            <a:schemeClr val="tx1"/>
+          </a:fontRef>
+        </p:style>
+      </p:cxnSp>
+      <p:sp>
+        <p:nvSpPr>
+          <p:cNvPr id="1085" name="사각형: 둥근 모서리 1084">
+            <a:extLst>
+              <a:ext uri="{FF2B5EF4-FFF2-40B4-BE49-F238E27FC236}">
+                <a16:creationId xmlns:a16="http://schemas.microsoft.com/office/drawing/2014/main" id="{FBBB9EFF-C928-425A-9056-0B6A9E7B578E}"/>
+              </a:ext>
+            </a:extLst>
+          </p:cNvPr>
+          <p:cNvSpPr/>
+          <p:nvPr/>
+        </p:nvSpPr>
+        <p:spPr>
+          <a:xfrm>
+            <a:off x="3163201" y="6054692"/>
+            <a:ext cx="2089149" cy="361760"/>
+          </a:xfrm>
+          <a:prstGeom prst="roundRect">
+            <a:avLst>
+              <a:gd name="adj" fmla="val 6940"/>
+            </a:avLst>
+          </a:prstGeom>
+          <a:ln/>
+        </p:spPr>
+        <p:style>
+          <a:lnRef idx="2">
+            <a:schemeClr val="accent5"/>
+          </a:lnRef>
+          <a:fillRef idx="1">
+            <a:schemeClr val="lt1"/>
+          </a:fillRef>
+          <a:effectRef idx="0">
+            <a:schemeClr val="accent5"/>
+          </a:effectRef>
+          <a:fontRef idx="minor">
+            <a:schemeClr val="dk1"/>
+          </a:fontRef>
+        </p:style>
+        <p:txBody>
+          <a:bodyPr rtlCol="0" anchor="ctr"/>
+          <a:lstStyle/>
+          <a:p>
+            <a:pPr algn="ctr"/>
+            <a:r>
+              <a:rPr lang="en-US" altLang="ko-KR" sz="1600" b="1" dirty="0">
+                <a:solidFill>
+                  <a:schemeClr val="tx1"/>
+                </a:solidFill>
+                <a:latin typeface="Times New Roman" panose="02020603050405020304" pitchFamily="18" charset="0"/>
+                <a:cs typeface="Times New Roman" panose="02020603050405020304" pitchFamily="18" charset="0"/>
+              </a:rPr>
+              <a:t>Array</a:t>
+            </a:r>
+            <a:endParaRPr lang="ko-KR" altLang="en-US" sz="1600" b="1" dirty="0">
+              <a:solidFill>
+                <a:schemeClr val="tx1"/>
+              </a:solidFill>
+              <a:latin typeface="Times New Roman" panose="02020603050405020304" pitchFamily="18" charset="0"/>
+              <a:cs typeface="Times New Roman" panose="02020603050405020304" pitchFamily="18" charset="0"/>
+            </a:endParaRPr>
+          </a:p>
+        </p:txBody>
+      </p:sp>
+      <p:sp>
+        <p:nvSpPr>
+          <p:cNvPr id="206" name="사각형: 둥근 모서리 205">
+            <a:extLst>
+              <a:ext uri="{FF2B5EF4-FFF2-40B4-BE49-F238E27FC236}">
+                <a16:creationId xmlns:a16="http://schemas.microsoft.com/office/drawing/2014/main" id="{2245F479-AB61-41A1-BA3A-A7B2ACC00EED}"/>
+              </a:ext>
+            </a:extLst>
+          </p:cNvPr>
+          <p:cNvSpPr/>
+          <p:nvPr/>
+        </p:nvSpPr>
+        <p:spPr>
+          <a:xfrm>
+            <a:off x="5578093" y="6054692"/>
+            <a:ext cx="2089149" cy="361760"/>
+          </a:xfrm>
+          <a:prstGeom prst="roundRect">
+            <a:avLst>
+              <a:gd name="adj" fmla="val 6940"/>
+            </a:avLst>
+          </a:prstGeom>
+          <a:ln/>
+        </p:spPr>
+        <p:style>
+          <a:lnRef idx="2">
+            <a:schemeClr val="accent5"/>
+          </a:lnRef>
+          <a:fillRef idx="1">
+            <a:schemeClr val="lt1"/>
+          </a:fillRef>
+          <a:effectRef idx="0">
+            <a:schemeClr val="accent5"/>
+          </a:effectRef>
+          <a:fontRef idx="minor">
+            <a:schemeClr val="dk1"/>
+          </a:fontRef>
+        </p:style>
+        <p:txBody>
+          <a:bodyPr rtlCol="0" anchor="ctr"/>
+          <a:lstStyle/>
+          <a:p>
+            <a:pPr algn="ctr"/>
+            <a:r>
+              <a:rPr lang="en-US" altLang="ko-KR" sz="1600" b="1" dirty="0">
+                <a:solidFill>
+                  <a:schemeClr val="tx1"/>
+                </a:solidFill>
+                <a:latin typeface="Times New Roman" panose="02020603050405020304" pitchFamily="18" charset="0"/>
+                <a:cs typeface="Times New Roman" panose="02020603050405020304" pitchFamily="18" charset="0"/>
+              </a:rPr>
+              <a:t>Set</a:t>
+            </a:r>
+            <a:endParaRPr lang="ko-KR" altLang="en-US" sz="1600" b="1" dirty="0">
+              <a:solidFill>
+                <a:schemeClr val="tx1"/>
+              </a:solidFill>
+              <a:latin typeface="Times New Roman" panose="02020603050405020304" pitchFamily="18" charset="0"/>
+              <a:cs typeface="Times New Roman" panose="02020603050405020304" pitchFamily="18" charset="0"/>
+            </a:endParaRPr>
+          </a:p>
+        </p:txBody>
+      </p:sp>
+      <p:sp>
+        <p:nvSpPr>
+          <p:cNvPr id="207" name="사각형: 둥근 모서리 206">
+            <a:extLst>
+              <a:ext uri="{FF2B5EF4-FFF2-40B4-BE49-F238E27FC236}">
+                <a16:creationId xmlns:a16="http://schemas.microsoft.com/office/drawing/2014/main" id="{B8BBFAAE-7025-4A20-840F-4399975BD6C7}"/>
+              </a:ext>
+            </a:extLst>
+          </p:cNvPr>
+          <p:cNvSpPr/>
+          <p:nvPr/>
+        </p:nvSpPr>
+        <p:spPr>
+          <a:xfrm>
+            <a:off x="7992988" y="6054692"/>
+            <a:ext cx="2089149" cy="361760"/>
+          </a:xfrm>
+          <a:prstGeom prst="roundRect">
+            <a:avLst>
+              <a:gd name="adj" fmla="val 6940"/>
+            </a:avLst>
+          </a:prstGeom>
+          <a:ln/>
+        </p:spPr>
+        <p:style>
+          <a:lnRef idx="2">
+            <a:schemeClr val="accent5"/>
+          </a:lnRef>
+          <a:fillRef idx="1">
+            <a:schemeClr val="lt1"/>
+          </a:fillRef>
+          <a:effectRef idx="0">
+            <a:schemeClr val="accent5"/>
+          </a:effectRef>
+          <a:fontRef idx="minor">
+            <a:schemeClr val="dk1"/>
+          </a:fontRef>
+        </p:style>
+        <p:txBody>
+          <a:bodyPr rtlCol="0" anchor="ctr"/>
+          <a:lstStyle/>
+          <a:p>
+            <a:pPr algn="ctr"/>
+            <a:r>
+              <a:rPr lang="en-US" altLang="ko-KR" sz="1600" b="1" dirty="0">
+                <a:solidFill>
+                  <a:schemeClr val="tx1"/>
+                </a:solidFill>
+                <a:latin typeface="Times New Roman" panose="02020603050405020304" pitchFamily="18" charset="0"/>
+                <a:cs typeface="Times New Roman" panose="02020603050405020304" pitchFamily="18" charset="0"/>
+              </a:rPr>
+              <a:t>Map</a:t>
+            </a:r>
+            <a:endParaRPr lang="ko-KR" altLang="en-US" sz="1600" b="1" dirty="0">
+              <a:solidFill>
+                <a:schemeClr val="tx1"/>
+              </a:solidFill>
+              <a:latin typeface="Times New Roman" panose="02020603050405020304" pitchFamily="18" charset="0"/>
+              <a:cs typeface="Times New Roman" panose="02020603050405020304" pitchFamily="18" charset="0"/>
+            </a:endParaRPr>
+          </a:p>
+        </p:txBody>
+      </p:sp>
+      <p:cxnSp>
+        <p:nvCxnSpPr>
+          <p:cNvPr id="208" name="직선 화살표 연결선 207">
+            <a:extLst>
+              <a:ext uri="{FF2B5EF4-FFF2-40B4-BE49-F238E27FC236}">
+                <a16:creationId xmlns:a16="http://schemas.microsoft.com/office/drawing/2014/main" id="{6A66ABD3-7E56-4355-9772-DE725CB22E2F}"/>
+              </a:ext>
+            </a:extLst>
+          </p:cNvPr>
+          <p:cNvCxnSpPr>
+            <a:cxnSpLocks/>
+            <a:stCxn id="1085" idx="0"/>
+            <a:endCxn id="157" idx="2"/>
+          </p:cNvCxnSpPr>
+          <p:nvPr/>
+        </p:nvCxnSpPr>
+        <p:spPr>
+          <a:xfrm flipV="1">
+            <a:off x="4207776" y="5458208"/>
+            <a:ext cx="1" cy="596484"/>
+          </a:xfrm>
+          <a:prstGeom prst="straightConnector1">
+            <a:avLst/>
+          </a:prstGeom>
+          <a:ln w="19050">
+            <a:prstDash val="sysDot"/>
+            <a:tailEnd type="triangle"/>
+          </a:ln>
+        </p:spPr>
+        <p:style>
+          <a:lnRef idx="1">
+            <a:schemeClr val="accent6"/>
+          </a:lnRef>
+          <a:fillRef idx="0">
+            <a:schemeClr val="accent6"/>
+          </a:fillRef>
+          <a:effectRef idx="0">
+            <a:schemeClr val="accent6"/>
+          </a:effectRef>
+          <a:fontRef idx="minor">
+            <a:schemeClr val="tx1"/>
+          </a:fontRef>
+        </p:style>
+      </p:cxnSp>
+      <p:cxnSp>
+        <p:nvCxnSpPr>
+          <p:cNvPr id="211" name="직선 화살표 연결선 210">
+            <a:extLst>
+              <a:ext uri="{FF2B5EF4-FFF2-40B4-BE49-F238E27FC236}">
+                <a16:creationId xmlns:a16="http://schemas.microsoft.com/office/drawing/2014/main" id="{B9F68CAE-4AFF-4D64-93E8-4AB866B85D8E}"/>
+              </a:ext>
+            </a:extLst>
+          </p:cNvPr>
+          <p:cNvCxnSpPr>
+            <a:cxnSpLocks/>
+            <a:stCxn id="206" idx="0"/>
+            <a:endCxn id="158" idx="2"/>
+          </p:cNvCxnSpPr>
+          <p:nvPr/>
+        </p:nvCxnSpPr>
+        <p:spPr>
+          <a:xfrm flipV="1">
+            <a:off x="6622668" y="5458208"/>
+            <a:ext cx="3" cy="596484"/>
+          </a:xfrm>
+          <a:prstGeom prst="straightConnector1">
+            <a:avLst/>
+          </a:prstGeom>
+          <a:ln w="19050">
+            <a:prstDash val="sysDot"/>
+            <a:tailEnd type="triangle"/>
+          </a:ln>
+        </p:spPr>
+        <p:style>
+          <a:lnRef idx="1">
+            <a:schemeClr val="accent6"/>
+          </a:lnRef>
+          <a:fillRef idx="0">
+            <a:schemeClr val="accent6"/>
+          </a:fillRef>
+          <a:effectRef idx="0">
+            <a:schemeClr val="accent6"/>
+          </a:effectRef>
+          <a:fontRef idx="minor">
+            <a:schemeClr val="tx1"/>
+          </a:fontRef>
+        </p:style>
+      </p:cxnSp>
+      <p:cxnSp>
+        <p:nvCxnSpPr>
+          <p:cNvPr id="214" name="직선 화살표 연결선 213">
+            <a:extLst>
+              <a:ext uri="{FF2B5EF4-FFF2-40B4-BE49-F238E27FC236}">
+                <a16:creationId xmlns:a16="http://schemas.microsoft.com/office/drawing/2014/main" id="{E4879BE1-C0AE-4DFC-A1D3-A303B056DBC3}"/>
+              </a:ext>
+            </a:extLst>
+          </p:cNvPr>
+          <p:cNvCxnSpPr>
+            <a:cxnSpLocks/>
+            <a:stCxn id="207" idx="0"/>
+            <a:endCxn id="147" idx="2"/>
+          </p:cNvCxnSpPr>
+          <p:nvPr/>
+        </p:nvCxnSpPr>
+        <p:spPr>
+          <a:xfrm flipV="1">
+            <a:off x="9037563" y="5457793"/>
+            <a:ext cx="1" cy="596899"/>
+          </a:xfrm>
+          <a:prstGeom prst="straightConnector1">
+            <a:avLst/>
+          </a:prstGeom>
+          <a:ln w="19050">
+            <a:prstDash val="sysDot"/>
+            <a:tailEnd type="triangle"/>
+          </a:ln>
+        </p:spPr>
+        <p:style>
+          <a:lnRef idx="1">
+            <a:schemeClr val="accent6"/>
+          </a:lnRef>
+          <a:fillRef idx="0">
+            <a:schemeClr val="accent6"/>
+          </a:fillRef>
+          <a:effectRef idx="0">
+            <a:schemeClr val="accent6"/>
+          </a:effectRef>
+          <a:fontRef idx="minor">
+            <a:schemeClr val="tx1"/>
+          </a:fontRef>
+        </p:style>
+      </p:cxnSp>
     </p:spTree>
     <p:extLst>
       <p:ext uri="{BB962C8B-B14F-4D97-AF65-F5344CB8AC3E}">

--- a/ReadMeRes/ImageFactory.pptx
+++ b/ReadMeRes/ImageFactory.pptx
@@ -259,7 +259,7 @@
           <a:p>
             <a:fld id="{1E253523-4079-4E12-A6F2-4B3130B342C7}" type="datetimeFigureOut">
               <a:rPr lang="ko-KR" altLang="en-US" smtClean="0"/>
-              <a:t>2020-09-10</a:t>
+              <a:t>2020-09-11</a:t>
             </a:fld>
             <a:endParaRPr lang="ko-KR" altLang="en-US"/>
           </a:p>
@@ -457,7 +457,7 @@
           <a:p>
             <a:fld id="{1E253523-4079-4E12-A6F2-4B3130B342C7}" type="datetimeFigureOut">
               <a:rPr lang="ko-KR" altLang="en-US" smtClean="0"/>
-              <a:t>2020-09-10</a:t>
+              <a:t>2020-09-11</a:t>
             </a:fld>
             <a:endParaRPr lang="ko-KR" altLang="en-US"/>
           </a:p>
@@ -665,7 +665,7 @@
           <a:p>
             <a:fld id="{1E253523-4079-4E12-A6F2-4B3130B342C7}" type="datetimeFigureOut">
               <a:rPr lang="ko-KR" altLang="en-US" smtClean="0"/>
-              <a:t>2020-09-10</a:t>
+              <a:t>2020-09-11</a:t>
             </a:fld>
             <a:endParaRPr lang="ko-KR" altLang="en-US"/>
           </a:p>
@@ -863,7 +863,7 @@
           <a:p>
             <a:fld id="{1E253523-4079-4E12-A6F2-4B3130B342C7}" type="datetimeFigureOut">
               <a:rPr lang="ko-KR" altLang="en-US" smtClean="0"/>
-              <a:t>2020-09-10</a:t>
+              <a:t>2020-09-11</a:t>
             </a:fld>
             <a:endParaRPr lang="ko-KR" altLang="en-US"/>
           </a:p>
@@ -1138,7 +1138,7 @@
           <a:p>
             <a:fld id="{1E253523-4079-4E12-A6F2-4B3130B342C7}" type="datetimeFigureOut">
               <a:rPr lang="ko-KR" altLang="en-US" smtClean="0"/>
-              <a:t>2020-09-10</a:t>
+              <a:t>2020-09-11</a:t>
             </a:fld>
             <a:endParaRPr lang="ko-KR" altLang="en-US"/>
           </a:p>
@@ -1403,7 +1403,7 @@
           <a:p>
             <a:fld id="{1E253523-4079-4E12-A6F2-4B3130B342C7}" type="datetimeFigureOut">
               <a:rPr lang="ko-KR" altLang="en-US" smtClean="0"/>
-              <a:t>2020-09-10</a:t>
+              <a:t>2020-09-11</a:t>
             </a:fld>
             <a:endParaRPr lang="ko-KR" altLang="en-US"/>
           </a:p>
@@ -1815,7 +1815,7 @@
           <a:p>
             <a:fld id="{1E253523-4079-4E12-A6F2-4B3130B342C7}" type="datetimeFigureOut">
               <a:rPr lang="ko-KR" altLang="en-US" smtClean="0"/>
-              <a:t>2020-09-10</a:t>
+              <a:t>2020-09-11</a:t>
             </a:fld>
             <a:endParaRPr lang="ko-KR" altLang="en-US"/>
           </a:p>
@@ -1956,7 +1956,7 @@
           <a:p>
             <a:fld id="{1E253523-4079-4E12-A6F2-4B3130B342C7}" type="datetimeFigureOut">
               <a:rPr lang="ko-KR" altLang="en-US" smtClean="0"/>
-              <a:t>2020-09-10</a:t>
+              <a:t>2020-09-11</a:t>
             </a:fld>
             <a:endParaRPr lang="ko-KR" altLang="en-US"/>
           </a:p>
@@ -2069,7 +2069,7 @@
           <a:p>
             <a:fld id="{1E253523-4079-4E12-A6F2-4B3130B342C7}" type="datetimeFigureOut">
               <a:rPr lang="ko-KR" altLang="en-US" smtClean="0"/>
-              <a:t>2020-09-10</a:t>
+              <a:t>2020-09-11</a:t>
             </a:fld>
             <a:endParaRPr lang="ko-KR" altLang="en-US"/>
           </a:p>
@@ -2380,7 +2380,7 @@
           <a:p>
             <a:fld id="{1E253523-4079-4E12-A6F2-4B3130B342C7}" type="datetimeFigureOut">
               <a:rPr lang="ko-KR" altLang="en-US" smtClean="0"/>
-              <a:t>2020-09-10</a:t>
+              <a:t>2020-09-11</a:t>
             </a:fld>
             <a:endParaRPr lang="ko-KR" altLang="en-US"/>
           </a:p>
@@ -2668,7 +2668,7 @@
           <a:p>
             <a:fld id="{1E253523-4079-4E12-A6F2-4B3130B342C7}" type="datetimeFigureOut">
               <a:rPr lang="ko-KR" altLang="en-US" smtClean="0"/>
-              <a:t>2020-09-10</a:t>
+              <a:t>2020-09-11</a:t>
             </a:fld>
             <a:endParaRPr lang="ko-KR" altLang="en-US"/>
           </a:p>
@@ -2909,7 +2909,7 @@
           <a:p>
             <a:fld id="{1E253523-4079-4E12-A6F2-4B3130B342C7}" type="datetimeFigureOut">
               <a:rPr lang="ko-KR" altLang="en-US" smtClean="0"/>
-              <a:t>2020-09-10</a:t>
+              <a:t>2020-09-11</a:t>
             </a:fld>
             <a:endParaRPr lang="ko-KR" altLang="en-US"/>
           </a:p>
@@ -6788,7 +6788,8 @@
           </a:prstGeom>
           <a:ln w="19050">
             <a:prstDash val="sysDot"/>
-            <a:tailEnd type="triangle"/>
+            <a:headEnd type="triangle" w="med" len="med"/>
+            <a:tailEnd type="none" w="med" len="med"/>
           </a:ln>
         </p:spPr>
         <p:style>
@@ -6832,7 +6833,8 @@
           </a:prstGeom>
           <a:ln w="19050">
             <a:prstDash val="sysDot"/>
-            <a:tailEnd type="triangle"/>
+            <a:headEnd type="triangle" w="med" len="med"/>
+            <a:tailEnd type="none" w="med" len="med"/>
           </a:ln>
         </p:spPr>
         <p:style>
@@ -6876,7 +6878,8 @@
           </a:prstGeom>
           <a:ln w="19050">
             <a:prstDash val="sysDot"/>
-            <a:tailEnd type="triangle"/>
+            <a:headEnd type="triangle" w="med" len="med"/>
+            <a:tailEnd type="none" w="med" len="med"/>
           </a:ln>
         </p:spPr>
         <p:style>

--- a/ReadMeRes/ImageFactory.pptx
+++ b/ReadMeRes/ImageFactory.pptx
@@ -259,7 +259,7 @@
           <a:p>
             <a:fld id="{1E253523-4079-4E12-A6F2-4B3130B342C7}" type="datetimeFigureOut">
               <a:rPr lang="ko-KR" altLang="en-US" smtClean="0"/>
-              <a:t>2020-09-11</a:t>
+              <a:t>2020-09-14</a:t>
             </a:fld>
             <a:endParaRPr lang="ko-KR" altLang="en-US"/>
           </a:p>
@@ -457,7 +457,7 @@
           <a:p>
             <a:fld id="{1E253523-4079-4E12-A6F2-4B3130B342C7}" type="datetimeFigureOut">
               <a:rPr lang="ko-KR" altLang="en-US" smtClean="0"/>
-              <a:t>2020-09-11</a:t>
+              <a:t>2020-09-14</a:t>
             </a:fld>
             <a:endParaRPr lang="ko-KR" altLang="en-US"/>
           </a:p>
@@ -665,7 +665,7 @@
           <a:p>
             <a:fld id="{1E253523-4079-4E12-A6F2-4B3130B342C7}" type="datetimeFigureOut">
               <a:rPr lang="ko-KR" altLang="en-US" smtClean="0"/>
-              <a:t>2020-09-11</a:t>
+              <a:t>2020-09-14</a:t>
             </a:fld>
             <a:endParaRPr lang="ko-KR" altLang="en-US"/>
           </a:p>
@@ -863,7 +863,7 @@
           <a:p>
             <a:fld id="{1E253523-4079-4E12-A6F2-4B3130B342C7}" type="datetimeFigureOut">
               <a:rPr lang="ko-KR" altLang="en-US" smtClean="0"/>
-              <a:t>2020-09-11</a:t>
+              <a:t>2020-09-14</a:t>
             </a:fld>
             <a:endParaRPr lang="ko-KR" altLang="en-US"/>
           </a:p>
@@ -1138,7 +1138,7 @@
           <a:p>
             <a:fld id="{1E253523-4079-4E12-A6F2-4B3130B342C7}" type="datetimeFigureOut">
               <a:rPr lang="ko-KR" altLang="en-US" smtClean="0"/>
-              <a:t>2020-09-11</a:t>
+              <a:t>2020-09-14</a:t>
             </a:fld>
             <a:endParaRPr lang="ko-KR" altLang="en-US"/>
           </a:p>
@@ -1403,7 +1403,7 @@
           <a:p>
             <a:fld id="{1E253523-4079-4E12-A6F2-4B3130B342C7}" type="datetimeFigureOut">
               <a:rPr lang="ko-KR" altLang="en-US" smtClean="0"/>
-              <a:t>2020-09-11</a:t>
+              <a:t>2020-09-14</a:t>
             </a:fld>
             <a:endParaRPr lang="ko-KR" altLang="en-US"/>
           </a:p>
@@ -1815,7 +1815,7 @@
           <a:p>
             <a:fld id="{1E253523-4079-4E12-A6F2-4B3130B342C7}" type="datetimeFigureOut">
               <a:rPr lang="ko-KR" altLang="en-US" smtClean="0"/>
-              <a:t>2020-09-11</a:t>
+              <a:t>2020-09-14</a:t>
             </a:fld>
             <a:endParaRPr lang="ko-KR" altLang="en-US"/>
           </a:p>
@@ -1956,7 +1956,7 @@
           <a:p>
             <a:fld id="{1E253523-4079-4E12-A6F2-4B3130B342C7}" type="datetimeFigureOut">
               <a:rPr lang="ko-KR" altLang="en-US" smtClean="0"/>
-              <a:t>2020-09-11</a:t>
+              <a:t>2020-09-14</a:t>
             </a:fld>
             <a:endParaRPr lang="ko-KR" altLang="en-US"/>
           </a:p>
@@ -2069,7 +2069,7 @@
           <a:p>
             <a:fld id="{1E253523-4079-4E12-A6F2-4B3130B342C7}" type="datetimeFigureOut">
               <a:rPr lang="ko-KR" altLang="en-US" smtClean="0"/>
-              <a:t>2020-09-11</a:t>
+              <a:t>2020-09-14</a:t>
             </a:fld>
             <a:endParaRPr lang="ko-KR" altLang="en-US"/>
           </a:p>
@@ -2380,7 +2380,7 @@
           <a:p>
             <a:fld id="{1E253523-4079-4E12-A6F2-4B3130B342C7}" type="datetimeFigureOut">
               <a:rPr lang="ko-KR" altLang="en-US" smtClean="0"/>
-              <a:t>2020-09-11</a:t>
+              <a:t>2020-09-14</a:t>
             </a:fld>
             <a:endParaRPr lang="ko-KR" altLang="en-US"/>
           </a:p>
@@ -2668,7 +2668,7 @@
           <a:p>
             <a:fld id="{1E253523-4079-4E12-A6F2-4B3130B342C7}" type="datetimeFigureOut">
               <a:rPr lang="ko-KR" altLang="en-US" smtClean="0"/>
-              <a:t>2020-09-11</a:t>
+              <a:t>2020-09-14</a:t>
             </a:fld>
             <a:endParaRPr lang="ko-KR" altLang="en-US"/>
           </a:p>
@@ -2909,7 +2909,7 @@
           <a:p>
             <a:fld id="{1E253523-4079-4E12-A6F2-4B3130B342C7}" type="datetimeFigureOut">
               <a:rPr lang="ko-KR" altLang="en-US" smtClean="0"/>
-              <a:t>2020-09-11</a:t>
+              <a:t>2020-09-14</a:t>
             </a:fld>
             <a:endParaRPr lang="ko-KR" altLang="en-US"/>
           </a:p>
@@ -5214,7 +5214,7 @@
         </p:nvSpPr>
         <p:spPr>
           <a:xfrm>
-            <a:off x="5570250" y="201320"/>
+            <a:off x="5578343" y="201320"/>
             <a:ext cx="2089149" cy="361760"/>
           </a:xfrm>
           <a:prstGeom prst="roundRect">
@@ -5280,7 +5280,7 @@
         </p:nvSpPr>
         <p:spPr>
           <a:xfrm>
-            <a:off x="5576347" y="1260149"/>
+            <a:off x="5578343" y="1260149"/>
             <a:ext cx="2089149" cy="361760"/>
           </a:xfrm>
           <a:prstGeom prst="roundRect">
@@ -5294,14 +5294,14 @@
           <a:lnRef idx="1">
             <a:schemeClr val="accent5"/>
           </a:lnRef>
-          <a:fillRef idx="2">
+          <a:fillRef idx="3">
             <a:schemeClr val="accent5"/>
           </a:fillRef>
-          <a:effectRef idx="1">
+          <a:effectRef idx="2">
             <a:schemeClr val="accent5"/>
           </a:effectRef>
           <a:fontRef idx="minor">
-            <a:schemeClr val="dk1"/>
+            <a:schemeClr val="lt1"/>
           </a:fontRef>
         </p:style>
         <p:txBody>
@@ -5312,7 +5312,7 @@
             <a:r>
               <a:rPr lang="en-US" altLang="ko-KR" sz="1600" b="1" dirty="0" err="1">
                 <a:solidFill>
-                  <a:schemeClr val="tx1"/>
+                  <a:schemeClr val="bg1"/>
                 </a:solidFill>
                 <a:latin typeface="Times New Roman" panose="02020603050405020304" pitchFamily="18" charset="0"/>
                 <a:cs typeface="Times New Roman" panose="02020603050405020304" pitchFamily="18" charset="0"/>
@@ -5321,7 +5321,7 @@
             </a:r>
             <a:endParaRPr lang="ko-KR" altLang="en-US" sz="1600" b="1" dirty="0">
               <a:solidFill>
-                <a:schemeClr val="tx1"/>
+                <a:schemeClr val="bg1"/>
               </a:solidFill>
               <a:latin typeface="Times New Roman" panose="02020603050405020304" pitchFamily="18" charset="0"/>
               <a:cs typeface="Times New Roman" panose="02020603050405020304" pitchFamily="18" charset="0"/>
@@ -5346,9 +5346,9 @@
           <p:nvPr/>
         </p:nvCxnSpPr>
         <p:spPr>
-          <a:xfrm flipH="1" flipV="1">
-            <a:off x="6614825" y="563080"/>
-            <a:ext cx="6097" cy="697069"/>
+          <a:xfrm flipV="1">
+            <a:off x="6622918" y="563080"/>
+            <a:ext cx="0" cy="697069"/>
           </a:xfrm>
           <a:prstGeom prst="straightConnector1">
             <a:avLst/>
@@ -5515,8 +5515,8 @@
         </p:nvCxnSpPr>
         <p:spPr>
           <a:xfrm rot="5400000" flipH="1" flipV="1">
-            <a:off x="3285582" y="-71540"/>
-            <a:ext cx="778195" cy="3803335"/>
+            <a:off x="3286580" y="-72538"/>
+            <a:ext cx="778195" cy="3805331"/>
           </a:xfrm>
           <a:prstGeom prst="bentConnector2">
             <a:avLst/>
@@ -5558,8 +5558,8 @@
         </p:nvCxnSpPr>
         <p:spPr>
           <a:xfrm rot="5400000" flipH="1" flipV="1">
-            <a:off x="4502965" y="1145842"/>
-            <a:ext cx="778195" cy="1368570"/>
+            <a:off x="4503963" y="1144844"/>
+            <a:ext cx="778195" cy="1370566"/>
           </a:xfrm>
           <a:prstGeom prst="bentConnector2">
             <a:avLst/>
@@ -6052,7 +6052,7 @@
         </p:nvSpPr>
         <p:spPr>
           <a:xfrm>
-            <a:off x="5576347" y="2167318"/>
+            <a:off x="5578343" y="2167318"/>
             <a:ext cx="2089149" cy="361760"/>
           </a:xfrm>
           <a:prstGeom prst="roundRect">
@@ -6066,14 +6066,14 @@
           </a:ln>
         </p:spPr>
         <p:style>
-          <a:lnRef idx="0">
-            <a:schemeClr val="accent4"/>
+          <a:lnRef idx="1">
+            <a:schemeClr val="accent5"/>
           </a:lnRef>
           <a:fillRef idx="3">
-            <a:schemeClr val="accent4"/>
+            <a:schemeClr val="accent5"/>
           </a:fillRef>
-          <a:effectRef idx="3">
-            <a:schemeClr val="accent4"/>
+          <a:effectRef idx="2">
+            <a:schemeClr val="accent5"/>
           </a:effectRef>
           <a:fontRef idx="minor">
             <a:schemeClr val="lt1"/>
@@ -6104,49 +6104,6 @@
           </a:p>
         </p:txBody>
       </p:sp>
-      <p:cxnSp>
-        <p:nvCxnSpPr>
-          <p:cNvPr id="136" name="직선 화살표 연결선 135">
-            <a:extLst>
-              <a:ext uri="{FF2B5EF4-FFF2-40B4-BE49-F238E27FC236}">
-                <a16:creationId xmlns:a16="http://schemas.microsoft.com/office/drawing/2014/main" id="{FB9BFBCC-2212-4DC1-B22A-9D11EB9D8E44}"/>
-              </a:ext>
-            </a:extLst>
-          </p:cNvPr>
-          <p:cNvCxnSpPr>
-            <a:cxnSpLocks/>
-            <a:stCxn id="1028" idx="0"/>
-            <a:endCxn id="74" idx="2"/>
-          </p:cNvCxnSpPr>
-          <p:nvPr/>
-        </p:nvCxnSpPr>
-        <p:spPr>
-          <a:xfrm flipV="1">
-            <a:off x="6620922" y="1621909"/>
-            <a:ext cx="0" cy="545409"/>
-          </a:xfrm>
-          <a:prstGeom prst="straightConnector1">
-            <a:avLst/>
-          </a:prstGeom>
-          <a:ln w="19050">
-            <a:tailEnd type="triangle"/>
-          </a:ln>
-        </p:spPr>
-        <p:style>
-          <a:lnRef idx="1">
-            <a:schemeClr val="accent2"/>
-          </a:lnRef>
-          <a:fillRef idx="0">
-            <a:schemeClr val="accent2"/>
-          </a:fillRef>
-          <a:effectRef idx="0">
-            <a:schemeClr val="accent2"/>
-          </a:effectRef>
-          <a:fontRef idx="minor">
-            <a:schemeClr val="tx1"/>
-          </a:fontRef>
-        </p:style>
-      </p:cxnSp>
       <p:sp>
         <p:nvSpPr>
           <p:cNvPr id="1034" name="사각형: 둥근 모서리 1033">
@@ -6161,7 +6118,7 @@
         </p:nvSpPr>
         <p:spPr>
           <a:xfrm>
-            <a:off x="5586435" y="3178298"/>
+            <a:off x="5578343" y="3178298"/>
             <a:ext cx="2089149" cy="361760"/>
           </a:xfrm>
           <a:prstGeom prst="roundRect">
@@ -6273,92 +6230,6 @@
           </a:p>
         </p:txBody>
       </p:sp>
-      <p:cxnSp>
-        <p:nvCxnSpPr>
-          <p:cNvPr id="148" name="직선 화살표 연결선 147">
-            <a:extLst>
-              <a:ext uri="{FF2B5EF4-FFF2-40B4-BE49-F238E27FC236}">
-                <a16:creationId xmlns:a16="http://schemas.microsoft.com/office/drawing/2014/main" id="{D812F85C-D8E8-436C-BB84-788675B256AA}"/>
-              </a:ext>
-            </a:extLst>
-          </p:cNvPr>
-          <p:cNvCxnSpPr>
-            <a:cxnSpLocks/>
-            <a:stCxn id="1034" idx="0"/>
-            <a:endCxn id="1028" idx="2"/>
-          </p:cNvCxnSpPr>
-          <p:nvPr/>
-        </p:nvCxnSpPr>
-        <p:spPr>
-          <a:xfrm flipH="1" flipV="1">
-            <a:off x="6620922" y="2529078"/>
-            <a:ext cx="10088" cy="649220"/>
-          </a:xfrm>
-          <a:prstGeom prst="straightConnector1">
-            <a:avLst/>
-          </a:prstGeom>
-          <a:ln w="19050">
-            <a:tailEnd type="triangle"/>
-          </a:ln>
-        </p:spPr>
-        <p:style>
-          <a:lnRef idx="1">
-            <a:schemeClr val="accent5"/>
-          </a:lnRef>
-          <a:fillRef idx="0">
-            <a:schemeClr val="accent5"/>
-          </a:fillRef>
-          <a:effectRef idx="0">
-            <a:schemeClr val="accent5"/>
-          </a:effectRef>
-          <a:fontRef idx="minor">
-            <a:schemeClr val="tx1"/>
-          </a:fontRef>
-        </p:style>
-      </p:cxnSp>
-      <p:cxnSp>
-        <p:nvCxnSpPr>
-          <p:cNvPr id="152" name="연결선: 꺾임 151">
-            <a:extLst>
-              <a:ext uri="{FF2B5EF4-FFF2-40B4-BE49-F238E27FC236}">
-                <a16:creationId xmlns:a16="http://schemas.microsoft.com/office/drawing/2014/main" id="{F7881627-DF4C-4FFD-8738-8B30E1DFA91F}"/>
-              </a:ext>
-            </a:extLst>
-          </p:cNvPr>
-          <p:cNvCxnSpPr>
-            <a:cxnSpLocks/>
-            <a:stCxn id="147" idx="0"/>
-            <a:endCxn id="1028" idx="3"/>
-          </p:cNvCxnSpPr>
-          <p:nvPr/>
-        </p:nvCxnSpPr>
-        <p:spPr>
-          <a:xfrm rot="16200000" flipV="1">
-            <a:off x="6977613" y="3036082"/>
-            <a:ext cx="2747835" cy="1372068"/>
-          </a:xfrm>
-          <a:prstGeom prst="bentConnector2">
-            <a:avLst/>
-          </a:prstGeom>
-          <a:ln w="19050">
-            <a:tailEnd type="triangle"/>
-          </a:ln>
-        </p:spPr>
-        <p:style>
-          <a:lnRef idx="3">
-            <a:schemeClr val="accent5"/>
-          </a:lnRef>
-          <a:fillRef idx="0">
-            <a:schemeClr val="accent5"/>
-          </a:fillRef>
-          <a:effectRef idx="2">
-            <a:schemeClr val="accent5"/>
-          </a:effectRef>
-          <a:fontRef idx="minor">
-            <a:schemeClr val="tx1"/>
-          </a:fontRef>
-        </p:style>
-      </p:cxnSp>
       <p:sp>
         <p:nvSpPr>
           <p:cNvPr id="157" name="사각형: 둥근 모서리 156">
@@ -6503,12 +6374,12 @@
         </p:nvCxnSpPr>
         <p:spPr>
           <a:xfrm rot="5400000" flipH="1" flipV="1">
-            <a:off x="4641198" y="3106637"/>
-            <a:ext cx="1556390" cy="2423233"/>
+            <a:off x="4637152" y="3110683"/>
+            <a:ext cx="1556390" cy="2415141"/>
           </a:xfrm>
           <a:prstGeom prst="bentConnector3">
             <a:avLst>
-              <a:gd name="adj1" fmla="val 42656"/>
+              <a:gd name="adj1" fmla="val 40698"/>
             </a:avLst>
           </a:prstGeom>
           <a:ln>
@@ -6549,7 +6420,7 @@
         <p:spPr>
           <a:xfrm flipV="1">
             <a:off x="6622671" y="3540058"/>
-            <a:ext cx="8339" cy="1556390"/>
+            <a:ext cx="247" cy="1556390"/>
           </a:xfrm>
           <a:prstGeom prst="straightConnector1">
             <a:avLst/>
@@ -6891,6 +6762,135 @@
           </a:fillRef>
           <a:effectRef idx="0">
             <a:schemeClr val="accent6"/>
+          </a:effectRef>
+          <a:fontRef idx="minor">
+            <a:schemeClr val="tx1"/>
+          </a:fontRef>
+        </p:style>
+      </p:cxnSp>
+      <p:cxnSp>
+        <p:nvCxnSpPr>
+          <p:cNvPr id="79" name="직선 화살표 연결선 78">
+            <a:extLst>
+              <a:ext uri="{FF2B5EF4-FFF2-40B4-BE49-F238E27FC236}">
+                <a16:creationId xmlns:a16="http://schemas.microsoft.com/office/drawing/2014/main" id="{20F8D044-1338-482A-A223-0A23F9760141}"/>
+              </a:ext>
+            </a:extLst>
+          </p:cNvPr>
+          <p:cNvCxnSpPr>
+            <a:cxnSpLocks/>
+            <a:stCxn id="1034" idx="0"/>
+            <a:endCxn id="1028" idx="2"/>
+          </p:cNvCxnSpPr>
+          <p:nvPr/>
+        </p:nvCxnSpPr>
+        <p:spPr>
+          <a:xfrm flipV="1">
+            <a:off x="6622918" y="2529078"/>
+            <a:ext cx="0" cy="649220"/>
+          </a:xfrm>
+          <a:prstGeom prst="straightConnector1">
+            <a:avLst/>
+          </a:prstGeom>
+          <a:ln w="19050">
+            <a:tailEnd type="triangle"/>
+          </a:ln>
+        </p:spPr>
+        <p:style>
+          <a:lnRef idx="1">
+            <a:schemeClr val="accent2"/>
+          </a:lnRef>
+          <a:fillRef idx="0">
+            <a:schemeClr val="accent2"/>
+          </a:fillRef>
+          <a:effectRef idx="0">
+            <a:schemeClr val="accent2"/>
+          </a:effectRef>
+          <a:fontRef idx="minor">
+            <a:schemeClr val="tx1"/>
+          </a:fontRef>
+        </p:style>
+      </p:cxnSp>
+      <p:cxnSp>
+        <p:nvCxnSpPr>
+          <p:cNvPr id="82" name="직선 화살표 연결선 81">
+            <a:extLst>
+              <a:ext uri="{FF2B5EF4-FFF2-40B4-BE49-F238E27FC236}">
+                <a16:creationId xmlns:a16="http://schemas.microsoft.com/office/drawing/2014/main" id="{15D4D880-F340-4A4D-B7BE-1F777676342C}"/>
+              </a:ext>
+            </a:extLst>
+          </p:cNvPr>
+          <p:cNvCxnSpPr>
+            <a:cxnSpLocks/>
+            <a:stCxn id="1028" idx="0"/>
+            <a:endCxn id="74" idx="2"/>
+          </p:cNvCxnSpPr>
+          <p:nvPr/>
+        </p:nvCxnSpPr>
+        <p:spPr>
+          <a:xfrm flipV="1">
+            <a:off x="6622918" y="1621909"/>
+            <a:ext cx="0" cy="545409"/>
+          </a:xfrm>
+          <a:prstGeom prst="straightConnector1">
+            <a:avLst/>
+          </a:prstGeom>
+          <a:ln w="19050">
+            <a:tailEnd type="triangle"/>
+          </a:ln>
+        </p:spPr>
+        <p:style>
+          <a:lnRef idx="1">
+            <a:schemeClr val="accent2"/>
+          </a:lnRef>
+          <a:fillRef idx="0">
+            <a:schemeClr val="accent2"/>
+          </a:fillRef>
+          <a:effectRef idx="0">
+            <a:schemeClr val="accent2"/>
+          </a:effectRef>
+          <a:fontRef idx="minor">
+            <a:schemeClr val="tx1"/>
+          </a:fontRef>
+        </p:style>
+      </p:cxnSp>
+      <p:cxnSp>
+        <p:nvCxnSpPr>
+          <p:cNvPr id="87" name="연결선: 꺾임 86">
+            <a:extLst>
+              <a:ext uri="{FF2B5EF4-FFF2-40B4-BE49-F238E27FC236}">
+                <a16:creationId xmlns:a16="http://schemas.microsoft.com/office/drawing/2014/main" id="{3CDD224F-AFD3-4897-85BF-45B9D036FDBB}"/>
+              </a:ext>
+            </a:extLst>
+          </p:cNvPr>
+          <p:cNvCxnSpPr>
+            <a:cxnSpLocks/>
+            <a:stCxn id="147" idx="0"/>
+            <a:endCxn id="1028" idx="3"/>
+          </p:cNvCxnSpPr>
+          <p:nvPr/>
+        </p:nvCxnSpPr>
+        <p:spPr>
+          <a:xfrm rot="16200000" flipV="1">
+            <a:off x="6978611" y="3037080"/>
+            <a:ext cx="2747835" cy="1370072"/>
+          </a:xfrm>
+          <a:prstGeom prst="bentConnector2">
+            <a:avLst/>
+          </a:prstGeom>
+          <a:ln>
+            <a:tailEnd type="triangle"/>
+          </a:ln>
+        </p:spPr>
+        <p:style>
+          <a:lnRef idx="3">
+            <a:schemeClr val="accent2"/>
+          </a:lnRef>
+          <a:fillRef idx="0">
+            <a:schemeClr val="accent2"/>
+          </a:fillRef>
+          <a:effectRef idx="2">
+            <a:schemeClr val="accent2"/>
           </a:effectRef>
           <a:fontRef idx="minor">
             <a:schemeClr val="tx1"/>
